--- a/GitHub_Actions_101/Actions101.pptx
+++ b/GitHub_Actions_101/Actions101.pptx
@@ -12,16 +12,16 @@
     <p:sldId id="270" r:id="rId3"/>
     <p:sldId id="257" r:id="rId4"/>
     <p:sldId id="272" r:id="rId5"/>
-    <p:sldId id="261" r:id="rId6"/>
-    <p:sldId id="258" r:id="rId7"/>
-    <p:sldId id="280" r:id="rId8"/>
+    <p:sldId id="284" r:id="rId6"/>
+    <p:sldId id="261" r:id="rId7"/>
+    <p:sldId id="258" r:id="rId8"/>
     <p:sldId id="279" r:id="rId9"/>
     <p:sldId id="282" r:id="rId10"/>
-    <p:sldId id="275" r:id="rId11"/>
-    <p:sldId id="283" r:id="rId12"/>
-    <p:sldId id="277" r:id="rId13"/>
-    <p:sldId id="276" r:id="rId14"/>
-    <p:sldId id="278" r:id="rId15"/>
+    <p:sldId id="285" r:id="rId11"/>
+    <p:sldId id="286" r:id="rId12"/>
+    <p:sldId id="287" r:id="rId13"/>
+    <p:sldId id="288" r:id="rId14"/>
+    <p:sldId id="289" r:id="rId15"/>
     <p:sldId id="269" r:id="rId16"/>
     <p:sldId id="268" r:id="rId17"/>
     <p:sldId id="259" r:id="rId18"/>
@@ -124,6 +124,11 @@
       </a:defRPr>
     </a:lvl9pPr>
   </p:defaultTextStyle>
+  <p:extLst>
+    <p:ext uri="{EFAFB233-063F-42B5-8137-9DF3F51BA10A}">
+      <p15:sldGuideLst xmlns:p15="http://schemas.microsoft.com/office/powerpoint/2012/main"/>
+    </p:ext>
+  </p:extLst>
 </p:presentation>
 </file>
 
@@ -209,7 +214,7 @@
           <a:p>
             <a:fld id="{85F03557-135B-4E49-ACE1-136D08A834AB}" type="datetimeFigureOut">
               <a:rPr lang="en-US" smtClean="0"/>
-              <a:t>4/21/21</a:t>
+              <a:t>4/22/2021</a:t>
             </a:fld>
             <a:endParaRPr lang="en-US"/>
           </a:p>
@@ -520,7 +525,28 @@
           <a:bodyPr/>
           <a:lstStyle/>
           <a:p>
+            <a:r>
+              <a:rPr lang="en-US" dirty="0"/>
+              <a:t>Welcome to our Spotlight Session on GitHub Actions.</a:t>
+            </a:r>
+          </a:p>
+          <a:p>
             <a:endParaRPr lang="en-US" dirty="0"/>
+          </a:p>
+          <a:p>
+            <a:r>
+              <a:rPr lang="en-US" dirty="0"/>
+              <a:t>This Session is indented to provide an overview of what GitHub Actions are, the terms and concepts, then we will navigate into the GitHub Portal and look at an example and modify it a bit.</a:t>
+            </a:r>
+          </a:p>
+          <a:p>
+            <a:endParaRPr lang="en-US" dirty="0"/>
+          </a:p>
+          <a:p>
+            <a:r>
+              <a:rPr lang="en-US" dirty="0"/>
+              <a:t>I will be stopping at a few points to check and see if anyone has questions, but if you think of a question as I go along feel free to stop me, It always better when these types of sessions are more conversational vs a lecture.</a:t>
+            </a:r>
           </a:p>
         </p:txBody>
       </p:sp>
@@ -541,7 +567,7 @@
           <a:p>
             <a:fld id="{0A4B3749-9982-9342-B03E-EE7F6E72709F}" type="slidenum">
               <a:rPr lang="en-US" smtClean="0"/>
-              <a:t>5</a:t>
+              <a:t>1</a:t>
             </a:fld>
             <a:endParaRPr lang="en-US"/>
           </a:p>
@@ -550,7 +576,91 @@
     </p:spTree>
     <p:extLst>
       <p:ext uri="{BB962C8B-B14F-4D97-AF65-F5344CB8AC3E}">
-        <p14:creationId xmlns:p14="http://schemas.microsoft.com/office/powerpoint/2010/main" val="1985411809"/>
+        <p14:creationId xmlns:p14="http://schemas.microsoft.com/office/powerpoint/2010/main" val="3999083101"/>
+      </p:ext>
+    </p:extLst>
+  </p:cSld>
+  <p:clrMapOvr>
+    <a:masterClrMapping/>
+  </p:clrMapOvr>
+</p:notes>
+</file>
+
+<file path=ppt/notesSlides/notesSlide10.xml><?xml version="1.0" encoding="utf-8"?>
+<p:notes xmlns:a="http://schemas.openxmlformats.org/drawingml/2006/main" xmlns:r="http://schemas.openxmlformats.org/officeDocument/2006/relationships" xmlns:p="http://schemas.openxmlformats.org/presentationml/2006/main">
+  <p:cSld>
+    <p:spTree>
+      <p:nvGrpSpPr>
+        <p:cNvPr id="1" name=""/>
+        <p:cNvGrpSpPr/>
+        <p:nvPr/>
+      </p:nvGrpSpPr>
+      <p:grpSpPr>
+        <a:xfrm>
+          <a:off x="0" y="0"/>
+          <a:ext cx="0" cy="0"/>
+          <a:chOff x="0" y="0"/>
+          <a:chExt cx="0" cy="0"/>
+        </a:xfrm>
+      </p:grpSpPr>
+      <p:sp>
+        <p:nvSpPr>
+          <p:cNvPr id="2" name="Slide Image Placeholder 1"/>
+          <p:cNvSpPr>
+            <a:spLocks noGrp="1" noRot="1" noChangeAspect="1"/>
+          </p:cNvSpPr>
+          <p:nvPr>
+            <p:ph type="sldImg"/>
+          </p:nvPr>
+        </p:nvSpPr>
+        <p:spPr/>
+      </p:sp>
+      <p:sp>
+        <p:nvSpPr>
+          <p:cNvPr id="3" name="Notes Placeholder 2"/>
+          <p:cNvSpPr>
+            <a:spLocks noGrp="1"/>
+          </p:cNvSpPr>
+          <p:nvPr>
+            <p:ph type="body" idx="1"/>
+          </p:nvPr>
+        </p:nvSpPr>
+        <p:spPr/>
+        <p:txBody>
+          <a:bodyPr/>
+          <a:lstStyle/>
+          <a:p>
+            <a:endParaRPr lang="en-US" dirty="0"/>
+          </a:p>
+        </p:txBody>
+      </p:sp>
+      <p:sp>
+        <p:nvSpPr>
+          <p:cNvPr id="4" name="Slide Number Placeholder 3"/>
+          <p:cNvSpPr>
+            <a:spLocks noGrp="1"/>
+          </p:cNvSpPr>
+          <p:nvPr>
+            <p:ph type="sldNum" sz="quarter" idx="5"/>
+          </p:nvPr>
+        </p:nvSpPr>
+        <p:spPr/>
+        <p:txBody>
+          <a:bodyPr/>
+          <a:lstStyle/>
+          <a:p>
+            <a:fld id="{0A4B3749-9982-9342-B03E-EE7F6E72709F}" type="slidenum">
+              <a:rPr lang="en-US" smtClean="0"/>
+              <a:t>13</a:t>
+            </a:fld>
+            <a:endParaRPr lang="en-US"/>
+          </a:p>
+        </p:txBody>
+      </p:sp>
+    </p:spTree>
+    <p:extLst>
+      <p:ext uri="{BB962C8B-B14F-4D97-AF65-F5344CB8AC3E}">
+        <p14:creationId xmlns:p14="http://schemas.microsoft.com/office/powerpoint/2010/main" val="886555971"/>
       </p:ext>
     </p:extLst>
   </p:cSld>
@@ -604,7 +714,10 @@
           <a:bodyPr/>
           <a:lstStyle/>
           <a:p>
-            <a:endParaRPr lang="en-US" dirty="0"/>
+            <a:r>
+              <a:rPr lang="en-US" dirty="0"/>
+              <a:t>We are/Can we record this session, any objections?</a:t>
+            </a:r>
           </a:p>
         </p:txBody>
       </p:sp>
@@ -625,7 +738,7 @@
           <a:p>
             <a:fld id="{0A4B3749-9982-9342-B03E-EE7F6E72709F}" type="slidenum">
               <a:rPr lang="en-US" smtClean="0"/>
-              <a:t>9</a:t>
+              <a:t>2</a:t>
             </a:fld>
             <a:endParaRPr lang="en-US"/>
           </a:p>
@@ -634,7 +747,7 @@
     </p:spTree>
     <p:extLst>
       <p:ext uri="{BB962C8B-B14F-4D97-AF65-F5344CB8AC3E}">
-        <p14:creationId xmlns:p14="http://schemas.microsoft.com/office/powerpoint/2010/main" val="39997599"/>
+        <p14:creationId xmlns:p14="http://schemas.microsoft.com/office/powerpoint/2010/main" val="819294122"/>
       </p:ext>
     </p:extLst>
   </p:cSld>
@@ -688,7 +801,19 @@
           <a:bodyPr/>
           <a:lstStyle/>
           <a:p>
+            <a:r>
+              <a:rPr lang="en-US" dirty="0"/>
+              <a:t>This is what we will cover today, some areas are far shorter then others and some I hope to have a lot of conversation on.</a:t>
+            </a:r>
+          </a:p>
+          <a:p>
             <a:endParaRPr lang="en-US" dirty="0"/>
+          </a:p>
+          <a:p>
+            <a:r>
+              <a:rPr lang="en-US" dirty="0"/>
+              <a:t>And GO…</a:t>
+            </a:r>
           </a:p>
         </p:txBody>
       </p:sp>
@@ -709,7 +834,7 @@
           <a:p>
             <a:fld id="{0A4B3749-9982-9342-B03E-EE7F6E72709F}" type="slidenum">
               <a:rPr lang="en-US" smtClean="0"/>
-              <a:t>12</a:t>
+              <a:t>3</a:t>
             </a:fld>
             <a:endParaRPr lang="en-US"/>
           </a:p>
@@ -718,7 +843,7 @@
     </p:spTree>
     <p:extLst>
       <p:ext uri="{BB962C8B-B14F-4D97-AF65-F5344CB8AC3E}">
-        <p14:creationId xmlns:p14="http://schemas.microsoft.com/office/powerpoint/2010/main" val="2636458801"/>
+        <p14:creationId xmlns:p14="http://schemas.microsoft.com/office/powerpoint/2010/main" val="4032665495"/>
       </p:ext>
     </p:extLst>
   </p:cSld>
@@ -772,7 +897,22 @@
           <a:bodyPr/>
           <a:lstStyle/>
           <a:p>
+            <a:r>
+              <a:rPr lang="en-US" dirty="0"/>
+              <a:t>This is wildly over simplified, but I don’t want to stress too much on how Actions began, rather I want to focus on the current cool features that exist now and into the future.</a:t>
+            </a:r>
+          </a:p>
+          <a:p>
             <a:endParaRPr lang="en-US" dirty="0"/>
+          </a:p>
+          <a:p>
+            <a:endParaRPr lang="en-US" dirty="0"/>
+          </a:p>
+          <a:p>
+            <a:r>
+              <a:rPr lang="en-US" dirty="0"/>
+              <a:t>Lets dive right into the concepts of an Action</a:t>
+            </a:r>
           </a:p>
         </p:txBody>
       </p:sp>
@@ -793,7 +933,7 @@
           <a:p>
             <a:fld id="{0A4B3749-9982-9342-B03E-EE7F6E72709F}" type="slidenum">
               <a:rPr lang="en-US" smtClean="0"/>
-              <a:t>14</a:t>
+              <a:t>4</a:t>
             </a:fld>
             <a:endParaRPr lang="en-US"/>
           </a:p>
@@ -802,7 +942,427 @@
     </p:spTree>
     <p:extLst>
       <p:ext uri="{BB962C8B-B14F-4D97-AF65-F5344CB8AC3E}">
-        <p14:creationId xmlns:p14="http://schemas.microsoft.com/office/powerpoint/2010/main" val="1129357090"/>
+        <p14:creationId xmlns:p14="http://schemas.microsoft.com/office/powerpoint/2010/main" val="1496605427"/>
+      </p:ext>
+    </p:extLst>
+  </p:cSld>
+  <p:clrMapOvr>
+    <a:masterClrMapping/>
+  </p:clrMapOvr>
+</p:notes>
+</file>
+
+<file path=ppt/notesSlides/notesSlide5.xml><?xml version="1.0" encoding="utf-8"?>
+<p:notes xmlns:a="http://schemas.openxmlformats.org/drawingml/2006/main" xmlns:r="http://schemas.openxmlformats.org/officeDocument/2006/relationships" xmlns:p="http://schemas.openxmlformats.org/presentationml/2006/main">
+  <p:cSld>
+    <p:spTree>
+      <p:nvGrpSpPr>
+        <p:cNvPr id="1" name=""/>
+        <p:cNvGrpSpPr/>
+        <p:nvPr/>
+      </p:nvGrpSpPr>
+      <p:grpSpPr>
+        <a:xfrm>
+          <a:off x="0" y="0"/>
+          <a:ext cx="0" cy="0"/>
+          <a:chOff x="0" y="0"/>
+          <a:chExt cx="0" cy="0"/>
+        </a:xfrm>
+      </p:grpSpPr>
+      <p:sp>
+        <p:nvSpPr>
+          <p:cNvPr id="2" name="Slide Image Placeholder 1"/>
+          <p:cNvSpPr>
+            <a:spLocks noGrp="1" noRot="1" noChangeAspect="1"/>
+          </p:cNvSpPr>
+          <p:nvPr>
+            <p:ph type="sldImg"/>
+          </p:nvPr>
+        </p:nvSpPr>
+        <p:spPr/>
+      </p:sp>
+      <p:sp>
+        <p:nvSpPr>
+          <p:cNvPr id="3" name="Notes Placeholder 2"/>
+          <p:cNvSpPr>
+            <a:spLocks noGrp="1"/>
+          </p:cNvSpPr>
+          <p:nvPr>
+            <p:ph type="body" idx="1"/>
+          </p:nvPr>
+        </p:nvSpPr>
+        <p:spPr/>
+        <p:txBody>
+          <a:bodyPr/>
+          <a:lstStyle/>
+          <a:p>
+            <a:endParaRPr lang="en-US" dirty="0"/>
+          </a:p>
+        </p:txBody>
+      </p:sp>
+      <p:sp>
+        <p:nvSpPr>
+          <p:cNvPr id="4" name="Slide Number Placeholder 3"/>
+          <p:cNvSpPr>
+            <a:spLocks noGrp="1"/>
+          </p:cNvSpPr>
+          <p:nvPr>
+            <p:ph type="sldNum" sz="quarter" idx="5"/>
+          </p:nvPr>
+        </p:nvSpPr>
+        <p:spPr/>
+        <p:txBody>
+          <a:bodyPr/>
+          <a:lstStyle/>
+          <a:p>
+            <a:fld id="{0A4B3749-9982-9342-B03E-EE7F6E72709F}" type="slidenum">
+              <a:rPr lang="en-US" smtClean="0"/>
+              <a:t>5</a:t>
+            </a:fld>
+            <a:endParaRPr lang="en-US"/>
+          </a:p>
+        </p:txBody>
+      </p:sp>
+    </p:spTree>
+    <p:extLst>
+      <p:ext uri="{BB962C8B-B14F-4D97-AF65-F5344CB8AC3E}">
+        <p14:creationId xmlns:p14="http://schemas.microsoft.com/office/powerpoint/2010/main" val="3999083101"/>
+      </p:ext>
+    </p:extLst>
+  </p:cSld>
+  <p:clrMapOvr>
+    <a:masterClrMapping/>
+  </p:clrMapOvr>
+</p:notes>
+</file>
+
+<file path=ppt/notesSlides/notesSlide6.xml><?xml version="1.0" encoding="utf-8"?>
+<p:notes xmlns:a="http://schemas.openxmlformats.org/drawingml/2006/main" xmlns:r="http://schemas.openxmlformats.org/officeDocument/2006/relationships" xmlns:p="http://schemas.openxmlformats.org/presentationml/2006/main">
+  <p:cSld>
+    <p:spTree>
+      <p:nvGrpSpPr>
+        <p:cNvPr id="1" name=""/>
+        <p:cNvGrpSpPr/>
+        <p:nvPr/>
+      </p:nvGrpSpPr>
+      <p:grpSpPr>
+        <a:xfrm>
+          <a:off x="0" y="0"/>
+          <a:ext cx="0" cy="0"/>
+          <a:chOff x="0" y="0"/>
+          <a:chExt cx="0" cy="0"/>
+        </a:xfrm>
+      </p:grpSpPr>
+      <p:sp>
+        <p:nvSpPr>
+          <p:cNvPr id="2" name="Slide Image Placeholder 1"/>
+          <p:cNvSpPr>
+            <a:spLocks noGrp="1" noRot="1" noChangeAspect="1"/>
+          </p:cNvSpPr>
+          <p:nvPr>
+            <p:ph type="sldImg"/>
+          </p:nvPr>
+        </p:nvSpPr>
+        <p:spPr/>
+      </p:sp>
+      <p:sp>
+        <p:nvSpPr>
+          <p:cNvPr id="3" name="Notes Placeholder 2"/>
+          <p:cNvSpPr>
+            <a:spLocks noGrp="1"/>
+          </p:cNvSpPr>
+          <p:nvPr>
+            <p:ph type="body" idx="1"/>
+          </p:nvPr>
+        </p:nvSpPr>
+        <p:spPr/>
+        <p:txBody>
+          <a:bodyPr/>
+          <a:lstStyle/>
+          <a:p>
+            <a:endParaRPr lang="en-US" dirty="0"/>
+          </a:p>
+        </p:txBody>
+      </p:sp>
+      <p:sp>
+        <p:nvSpPr>
+          <p:cNvPr id="4" name="Slide Number Placeholder 3"/>
+          <p:cNvSpPr>
+            <a:spLocks noGrp="1"/>
+          </p:cNvSpPr>
+          <p:nvPr>
+            <p:ph type="sldNum" sz="quarter" idx="5"/>
+          </p:nvPr>
+        </p:nvSpPr>
+        <p:spPr/>
+        <p:txBody>
+          <a:bodyPr/>
+          <a:lstStyle/>
+          <a:p>
+            <a:fld id="{0A4B3749-9982-9342-B03E-EE7F6E72709F}" type="slidenum">
+              <a:rPr lang="en-US" smtClean="0"/>
+              <a:t>6</a:t>
+            </a:fld>
+            <a:endParaRPr lang="en-US"/>
+          </a:p>
+        </p:txBody>
+      </p:sp>
+    </p:spTree>
+    <p:extLst>
+      <p:ext uri="{BB962C8B-B14F-4D97-AF65-F5344CB8AC3E}">
+        <p14:creationId xmlns:p14="http://schemas.microsoft.com/office/powerpoint/2010/main" val="1985411809"/>
+      </p:ext>
+    </p:extLst>
+  </p:cSld>
+  <p:clrMapOvr>
+    <a:masterClrMapping/>
+  </p:clrMapOvr>
+</p:notes>
+</file>
+
+<file path=ppt/notesSlides/notesSlide7.xml><?xml version="1.0" encoding="utf-8"?>
+<p:notes xmlns:a="http://schemas.openxmlformats.org/drawingml/2006/main" xmlns:r="http://schemas.openxmlformats.org/officeDocument/2006/relationships" xmlns:p="http://schemas.openxmlformats.org/presentationml/2006/main">
+  <p:cSld>
+    <p:spTree>
+      <p:nvGrpSpPr>
+        <p:cNvPr id="1" name=""/>
+        <p:cNvGrpSpPr/>
+        <p:nvPr/>
+      </p:nvGrpSpPr>
+      <p:grpSpPr>
+        <a:xfrm>
+          <a:off x="0" y="0"/>
+          <a:ext cx="0" cy="0"/>
+          <a:chOff x="0" y="0"/>
+          <a:chExt cx="0" cy="0"/>
+        </a:xfrm>
+      </p:grpSpPr>
+      <p:sp>
+        <p:nvSpPr>
+          <p:cNvPr id="2" name="Slide Image Placeholder 1"/>
+          <p:cNvSpPr>
+            <a:spLocks noGrp="1" noRot="1" noChangeAspect="1"/>
+          </p:cNvSpPr>
+          <p:nvPr>
+            <p:ph type="sldImg"/>
+          </p:nvPr>
+        </p:nvSpPr>
+        <p:spPr/>
+      </p:sp>
+      <p:sp>
+        <p:nvSpPr>
+          <p:cNvPr id="3" name="Notes Placeholder 2"/>
+          <p:cNvSpPr>
+            <a:spLocks noGrp="1"/>
+          </p:cNvSpPr>
+          <p:nvPr>
+            <p:ph type="body" idx="1"/>
+          </p:nvPr>
+        </p:nvSpPr>
+        <p:spPr/>
+        <p:txBody>
+          <a:bodyPr/>
+          <a:lstStyle/>
+          <a:p>
+            <a:endParaRPr lang="en-US" dirty="0"/>
+          </a:p>
+        </p:txBody>
+      </p:sp>
+      <p:sp>
+        <p:nvSpPr>
+          <p:cNvPr id="4" name="Slide Number Placeholder 3"/>
+          <p:cNvSpPr>
+            <a:spLocks noGrp="1"/>
+          </p:cNvSpPr>
+          <p:nvPr>
+            <p:ph type="sldNum" sz="quarter" idx="5"/>
+          </p:nvPr>
+        </p:nvSpPr>
+        <p:spPr/>
+        <p:txBody>
+          <a:bodyPr/>
+          <a:lstStyle/>
+          <a:p>
+            <a:fld id="{0A4B3749-9982-9342-B03E-EE7F6E72709F}" type="slidenum">
+              <a:rPr lang="en-US" smtClean="0"/>
+              <a:t>9</a:t>
+            </a:fld>
+            <a:endParaRPr lang="en-US"/>
+          </a:p>
+        </p:txBody>
+      </p:sp>
+    </p:spTree>
+    <p:extLst>
+      <p:ext uri="{BB962C8B-B14F-4D97-AF65-F5344CB8AC3E}">
+        <p14:creationId xmlns:p14="http://schemas.microsoft.com/office/powerpoint/2010/main" val="39997599"/>
+      </p:ext>
+    </p:extLst>
+  </p:cSld>
+  <p:clrMapOvr>
+    <a:masterClrMapping/>
+  </p:clrMapOvr>
+</p:notes>
+</file>
+
+<file path=ppt/notesSlides/notesSlide8.xml><?xml version="1.0" encoding="utf-8"?>
+<p:notes xmlns:a="http://schemas.openxmlformats.org/drawingml/2006/main" xmlns:r="http://schemas.openxmlformats.org/officeDocument/2006/relationships" xmlns:p="http://schemas.openxmlformats.org/presentationml/2006/main">
+  <p:cSld>
+    <p:spTree>
+      <p:nvGrpSpPr>
+        <p:cNvPr id="1" name=""/>
+        <p:cNvGrpSpPr/>
+        <p:nvPr/>
+      </p:nvGrpSpPr>
+      <p:grpSpPr>
+        <a:xfrm>
+          <a:off x="0" y="0"/>
+          <a:ext cx="0" cy="0"/>
+          <a:chOff x="0" y="0"/>
+          <a:chExt cx="0" cy="0"/>
+        </a:xfrm>
+      </p:grpSpPr>
+      <p:sp>
+        <p:nvSpPr>
+          <p:cNvPr id="2" name="Slide Image Placeholder 1"/>
+          <p:cNvSpPr>
+            <a:spLocks noGrp="1" noRot="1" noChangeAspect="1"/>
+          </p:cNvSpPr>
+          <p:nvPr>
+            <p:ph type="sldImg"/>
+          </p:nvPr>
+        </p:nvSpPr>
+        <p:spPr/>
+      </p:sp>
+      <p:sp>
+        <p:nvSpPr>
+          <p:cNvPr id="3" name="Notes Placeholder 2"/>
+          <p:cNvSpPr>
+            <a:spLocks noGrp="1"/>
+          </p:cNvSpPr>
+          <p:nvPr>
+            <p:ph type="body" idx="1"/>
+          </p:nvPr>
+        </p:nvSpPr>
+        <p:spPr/>
+        <p:txBody>
+          <a:bodyPr/>
+          <a:lstStyle/>
+          <a:p>
+            <a:endParaRPr lang="en-US" dirty="0"/>
+          </a:p>
+        </p:txBody>
+      </p:sp>
+      <p:sp>
+        <p:nvSpPr>
+          <p:cNvPr id="4" name="Slide Number Placeholder 3"/>
+          <p:cNvSpPr>
+            <a:spLocks noGrp="1"/>
+          </p:cNvSpPr>
+          <p:nvPr>
+            <p:ph type="sldNum" sz="quarter" idx="5"/>
+          </p:nvPr>
+        </p:nvSpPr>
+        <p:spPr/>
+        <p:txBody>
+          <a:bodyPr/>
+          <a:lstStyle/>
+          <a:p>
+            <a:fld id="{0A4B3749-9982-9342-B03E-EE7F6E72709F}" type="slidenum">
+              <a:rPr lang="en-US" smtClean="0"/>
+              <a:t>11</a:t>
+            </a:fld>
+            <a:endParaRPr lang="en-US"/>
+          </a:p>
+        </p:txBody>
+      </p:sp>
+    </p:spTree>
+    <p:extLst>
+      <p:ext uri="{BB962C8B-B14F-4D97-AF65-F5344CB8AC3E}">
+        <p14:creationId xmlns:p14="http://schemas.microsoft.com/office/powerpoint/2010/main" val="1131547816"/>
+      </p:ext>
+    </p:extLst>
+  </p:cSld>
+  <p:clrMapOvr>
+    <a:masterClrMapping/>
+  </p:clrMapOvr>
+</p:notes>
+</file>
+
+<file path=ppt/notesSlides/notesSlide9.xml><?xml version="1.0" encoding="utf-8"?>
+<p:notes xmlns:a="http://schemas.openxmlformats.org/drawingml/2006/main" xmlns:r="http://schemas.openxmlformats.org/officeDocument/2006/relationships" xmlns:p="http://schemas.openxmlformats.org/presentationml/2006/main">
+  <p:cSld>
+    <p:spTree>
+      <p:nvGrpSpPr>
+        <p:cNvPr id="1" name=""/>
+        <p:cNvGrpSpPr/>
+        <p:nvPr/>
+      </p:nvGrpSpPr>
+      <p:grpSpPr>
+        <a:xfrm>
+          <a:off x="0" y="0"/>
+          <a:ext cx="0" cy="0"/>
+          <a:chOff x="0" y="0"/>
+          <a:chExt cx="0" cy="0"/>
+        </a:xfrm>
+      </p:grpSpPr>
+      <p:sp>
+        <p:nvSpPr>
+          <p:cNvPr id="2" name="Slide Image Placeholder 1"/>
+          <p:cNvSpPr>
+            <a:spLocks noGrp="1" noRot="1" noChangeAspect="1"/>
+          </p:cNvSpPr>
+          <p:nvPr>
+            <p:ph type="sldImg"/>
+          </p:nvPr>
+        </p:nvSpPr>
+        <p:spPr/>
+      </p:sp>
+      <p:sp>
+        <p:nvSpPr>
+          <p:cNvPr id="3" name="Notes Placeholder 2"/>
+          <p:cNvSpPr>
+            <a:spLocks noGrp="1"/>
+          </p:cNvSpPr>
+          <p:nvPr>
+            <p:ph type="body" idx="1"/>
+          </p:nvPr>
+        </p:nvSpPr>
+        <p:spPr/>
+        <p:txBody>
+          <a:bodyPr/>
+          <a:lstStyle/>
+          <a:p>
+            <a:endParaRPr lang="en-US" dirty="0"/>
+          </a:p>
+        </p:txBody>
+      </p:sp>
+      <p:sp>
+        <p:nvSpPr>
+          <p:cNvPr id="4" name="Slide Number Placeholder 3"/>
+          <p:cNvSpPr>
+            <a:spLocks noGrp="1"/>
+          </p:cNvSpPr>
+          <p:nvPr>
+            <p:ph type="sldNum" sz="quarter" idx="5"/>
+          </p:nvPr>
+        </p:nvSpPr>
+        <p:spPr/>
+        <p:txBody>
+          <a:bodyPr/>
+          <a:lstStyle/>
+          <a:p>
+            <a:fld id="{0A4B3749-9982-9342-B03E-EE7F6E72709F}" type="slidenum">
+              <a:rPr lang="en-US" smtClean="0"/>
+              <a:t>12</a:t>
+            </a:fld>
+            <a:endParaRPr lang="en-US"/>
+          </a:p>
+        </p:txBody>
+      </p:sp>
+    </p:spTree>
+    <p:extLst>
+      <p:ext uri="{BB962C8B-B14F-4D97-AF65-F5344CB8AC3E}">
+        <p14:creationId xmlns:p14="http://schemas.microsoft.com/office/powerpoint/2010/main" val="1488533857"/>
       </p:ext>
     </p:extLst>
   </p:cSld>
@@ -959,7 +1519,7 @@
           <a:p>
             <a:fld id="{F1CB1150-98DB-D843-A2D9-A0E6C5F6E364}" type="datetimeFigureOut">
               <a:rPr lang="en-US" smtClean="0"/>
-              <a:t>4/21/21</a:t>
+              <a:t>4/22/2021</a:t>
             </a:fld>
             <a:endParaRPr lang="en-US"/>
           </a:p>
@@ -1157,7 +1717,7 @@
           <a:p>
             <a:fld id="{F1CB1150-98DB-D843-A2D9-A0E6C5F6E364}" type="datetimeFigureOut">
               <a:rPr lang="en-US" smtClean="0"/>
-              <a:t>4/21/21</a:t>
+              <a:t>4/22/2021</a:t>
             </a:fld>
             <a:endParaRPr lang="en-US"/>
           </a:p>
@@ -1365,7 +1925,7 @@
           <a:p>
             <a:fld id="{F1CB1150-98DB-D843-A2D9-A0E6C5F6E364}" type="datetimeFigureOut">
               <a:rPr lang="en-US" smtClean="0"/>
-              <a:t>4/21/21</a:t>
+              <a:t>4/22/2021</a:t>
             </a:fld>
             <a:endParaRPr lang="en-US"/>
           </a:p>
@@ -1563,7 +2123,7 @@
           <a:p>
             <a:fld id="{F1CB1150-98DB-D843-A2D9-A0E6C5F6E364}" type="datetimeFigureOut">
               <a:rPr lang="en-US" smtClean="0"/>
-              <a:t>4/21/21</a:t>
+              <a:t>4/22/2021</a:t>
             </a:fld>
             <a:endParaRPr lang="en-US"/>
           </a:p>
@@ -1838,7 +2398,7 @@
           <a:p>
             <a:fld id="{F1CB1150-98DB-D843-A2D9-A0E6C5F6E364}" type="datetimeFigureOut">
               <a:rPr lang="en-US" smtClean="0"/>
-              <a:t>4/21/21</a:t>
+              <a:t>4/22/2021</a:t>
             </a:fld>
             <a:endParaRPr lang="en-US"/>
           </a:p>
@@ -2103,7 +2663,7 @@
           <a:p>
             <a:fld id="{F1CB1150-98DB-D843-A2D9-A0E6C5F6E364}" type="datetimeFigureOut">
               <a:rPr lang="en-US" smtClean="0"/>
-              <a:t>4/21/21</a:t>
+              <a:t>4/22/2021</a:t>
             </a:fld>
             <a:endParaRPr lang="en-US"/>
           </a:p>
@@ -2515,7 +3075,7 @@
           <a:p>
             <a:fld id="{F1CB1150-98DB-D843-A2D9-A0E6C5F6E364}" type="datetimeFigureOut">
               <a:rPr lang="en-US" smtClean="0"/>
-              <a:t>4/21/21</a:t>
+              <a:t>4/22/2021</a:t>
             </a:fld>
             <a:endParaRPr lang="en-US"/>
           </a:p>
@@ -2656,7 +3216,7 @@
           <a:p>
             <a:fld id="{F1CB1150-98DB-D843-A2D9-A0E6C5F6E364}" type="datetimeFigureOut">
               <a:rPr lang="en-US" smtClean="0"/>
-              <a:t>4/21/21</a:t>
+              <a:t>4/22/2021</a:t>
             </a:fld>
             <a:endParaRPr lang="en-US"/>
           </a:p>
@@ -2769,7 +3329,7 @@
           <a:p>
             <a:fld id="{F1CB1150-98DB-D843-A2D9-A0E6C5F6E364}" type="datetimeFigureOut">
               <a:rPr lang="en-US" smtClean="0"/>
-              <a:t>4/21/21</a:t>
+              <a:t>4/22/2021</a:t>
             </a:fld>
             <a:endParaRPr lang="en-US"/>
           </a:p>
@@ -3080,7 +3640,7 @@
           <a:p>
             <a:fld id="{F1CB1150-98DB-D843-A2D9-A0E6C5F6E364}" type="datetimeFigureOut">
               <a:rPr lang="en-US" smtClean="0"/>
-              <a:t>4/21/21</a:t>
+              <a:t>4/22/2021</a:t>
             </a:fld>
             <a:endParaRPr lang="en-US"/>
           </a:p>
@@ -3368,7 +3928,7 @@
           <a:p>
             <a:fld id="{F1CB1150-98DB-D843-A2D9-A0E6C5F6E364}" type="datetimeFigureOut">
               <a:rPr lang="en-US" smtClean="0"/>
-              <a:t>4/21/21</a:t>
+              <a:t>4/22/2021</a:t>
             </a:fld>
             <a:endParaRPr lang="en-US"/>
           </a:p>
@@ -3609,7 +4169,7 @@
           <a:p>
             <a:fld id="{F1CB1150-98DB-D843-A2D9-A0E6C5F6E364}" type="datetimeFigureOut">
               <a:rPr lang="en-US" smtClean="0"/>
-              <a:t>4/21/21</a:t>
+              <a:t>4/22/2021</a:t>
             </a:fld>
             <a:endParaRPr lang="en-US"/>
           </a:p>
@@ -4208,9 +4768,10 @@
           </a:p>
           <a:p>
             <a:r>
-              <a:rPr lang="en-US" dirty="0"/>
-              <a:t>Context</a:t>
-            </a:r>
+              <a:rPr lang="en-US"/>
+              <a:t>Context &amp; Expressions</a:t>
+            </a:r>
+            <a:endParaRPr lang="en-US" dirty="0"/>
           </a:p>
           <a:p>
             <a:pPr marL="0" indent="0">
@@ -4223,7 +4784,7 @@
     </p:spTree>
     <p:extLst>
       <p:ext uri="{BB962C8B-B14F-4D97-AF65-F5344CB8AC3E}">
-        <p14:creationId xmlns:p14="http://schemas.microsoft.com/office/powerpoint/2010/main" val="3667587042"/>
+        <p14:creationId xmlns:p14="http://schemas.microsoft.com/office/powerpoint/2010/main" val="1388169781"/>
       </p:ext>
     </p:extLst>
   </p:cSld>
@@ -4236,6 +4797,14 @@
 <file path=ppt/slides/slide11.xml><?xml version="1.0" encoding="utf-8"?>
 <p:sld xmlns:a="http://schemas.openxmlformats.org/drawingml/2006/main" xmlns:r="http://schemas.openxmlformats.org/officeDocument/2006/relationships" xmlns:p="http://schemas.openxmlformats.org/presentationml/2006/main">
   <p:cSld>
+    <p:bg>
+      <p:bgPr>
+        <a:solidFill>
+          <a:srgbClr val="F6F9FB"/>
+        </a:solidFill>
+        <a:effectLst/>
+      </p:bgPr>
+    </p:bg>
     <p:spTree>
       <p:nvGrpSpPr>
         <p:cNvPr id="1" name=""/>
@@ -4275,17 +4844,391 @@
               <a:rPr lang="en-US" dirty="0">
                 <a:latin typeface="Arial Rounded MT Bold" panose="020F0704030504030204" pitchFamily="34" charset="77"/>
               </a:rPr>
-              <a:t>Job Communication</a:t>
-            </a:r>
-          </a:p>
-        </p:txBody>
-      </p:sp>
-      <p:sp>
-        <p:nvSpPr>
-          <p:cNvPr id="3" name="Content Placeholder 2">
-            <a:extLst>
-              <a:ext uri="{FF2B5EF4-FFF2-40B4-BE49-F238E27FC236}">
-                <a16:creationId xmlns:a16="http://schemas.microsoft.com/office/drawing/2014/main" id="{6730C390-6F70-7140-8ED4-380A12160DE1}"/>
+              <a:t>Outputs</a:t>
+            </a:r>
+          </a:p>
+        </p:txBody>
+      </p:sp>
+      <p:grpSp>
+        <p:nvGrpSpPr>
+          <p:cNvPr id="3" name="Group 2">
+            <a:extLst>
+              <a:ext uri="{FF2B5EF4-FFF2-40B4-BE49-F238E27FC236}">
+                <a16:creationId xmlns:a16="http://schemas.microsoft.com/office/drawing/2014/main" id="{EB3F6A4F-7F4A-1E48-B7CD-45A4148220E7}"/>
+              </a:ext>
+            </a:extLst>
+          </p:cNvPr>
+          <p:cNvGrpSpPr/>
+          <p:nvPr/>
+        </p:nvGrpSpPr>
+        <p:grpSpPr>
+          <a:xfrm>
+            <a:off x="2761032" y="2644632"/>
+            <a:ext cx="6669937" cy="3531466"/>
+            <a:chOff x="2761031" y="2644632"/>
+            <a:chExt cx="6669937" cy="3531466"/>
+          </a:xfrm>
+        </p:grpSpPr>
+        <p:sp>
+          <p:nvSpPr>
+            <p:cNvPr id="15" name="Rectangle 14">
+              <a:extLst>
+                <a:ext uri="{FF2B5EF4-FFF2-40B4-BE49-F238E27FC236}">
+                  <a16:creationId xmlns:a16="http://schemas.microsoft.com/office/drawing/2014/main" id="{4F1AE19C-6176-7E45-B5B1-E9E326DCEE29}"/>
+                </a:ext>
+              </a:extLst>
+            </p:cNvPr>
+            <p:cNvSpPr/>
+            <p:nvPr/>
+          </p:nvSpPr>
+          <p:spPr>
+            <a:xfrm>
+              <a:off x="2761031" y="2644632"/>
+              <a:ext cx="6669937" cy="3531466"/>
+            </a:xfrm>
+            <a:prstGeom prst="rect">
+              <a:avLst/>
+            </a:prstGeom>
+            <a:solidFill>
+              <a:schemeClr val="bg1">
+                <a:lumMod val="95000"/>
+              </a:schemeClr>
+            </a:solidFill>
+            <a:ln>
+              <a:noFill/>
+            </a:ln>
+            <a:effectLst>
+              <a:outerShdw blurRad="90164" sx="101000" sy="101000" algn="ctr" rotWithShape="0">
+                <a:schemeClr val="accent3">
+                  <a:lumMod val="60000"/>
+                  <a:lumOff val="40000"/>
+                </a:schemeClr>
+              </a:outerShdw>
+            </a:effectLst>
+          </p:spPr>
+          <p:style>
+            <a:lnRef idx="2">
+              <a:schemeClr val="accent1">
+                <a:shade val="50000"/>
+              </a:schemeClr>
+            </a:lnRef>
+            <a:fillRef idx="1">
+              <a:schemeClr val="accent1"/>
+            </a:fillRef>
+            <a:effectRef idx="0">
+              <a:schemeClr val="accent1"/>
+            </a:effectRef>
+            <a:fontRef idx="minor">
+              <a:schemeClr val="lt1"/>
+            </a:fontRef>
+          </p:style>
+          <p:txBody>
+            <a:bodyPr rtlCol="0" anchor="ctr"/>
+            <a:lstStyle/>
+            <a:p>
+              <a:pPr algn="ctr"/>
+              <a:endParaRPr lang="en-US"/>
+            </a:p>
+          </p:txBody>
+        </p:sp>
+        <p:sp>
+          <p:nvSpPr>
+            <p:cNvPr id="12" name="Rectangle 11">
+              <a:extLst>
+                <a:ext uri="{FF2B5EF4-FFF2-40B4-BE49-F238E27FC236}">
+                  <a16:creationId xmlns:a16="http://schemas.microsoft.com/office/drawing/2014/main" id="{B341DE3E-297C-2F48-9752-3DFAF89088C7}"/>
+                </a:ext>
+              </a:extLst>
+            </p:cNvPr>
+            <p:cNvSpPr/>
+            <p:nvPr/>
+          </p:nvSpPr>
+          <p:spPr>
+            <a:xfrm>
+              <a:off x="3121250" y="2859713"/>
+              <a:ext cx="6243782" cy="3046988"/>
+            </a:xfrm>
+            <a:prstGeom prst="rect">
+              <a:avLst/>
+            </a:prstGeom>
+          </p:spPr>
+          <p:txBody>
+            <a:bodyPr wrap="square">
+              <a:spAutoFit/>
+            </a:bodyPr>
+            <a:lstStyle/>
+            <a:p>
+              <a:r>
+                <a:rPr lang="en-US" sz="1200" b="1" dirty="0">
+                  <a:solidFill>
+                    <a:srgbClr val="7030A0"/>
+                  </a:solidFill>
+                  <a:latin typeface="Consolas" panose="020B0609020204030204" pitchFamily="49" charset="0"/>
+                  <a:cs typeface="Consolas" panose="020B0609020204030204" pitchFamily="49" charset="0"/>
+                </a:rPr>
+                <a:t>jobs:</a:t>
+              </a:r>
+            </a:p>
+            <a:p>
+              <a:r>
+                <a:rPr lang="en-US" sz="1200" b="1" dirty="0">
+                  <a:solidFill>
+                    <a:srgbClr val="7030A0"/>
+                  </a:solidFill>
+                  <a:latin typeface="Consolas" panose="020B0609020204030204" pitchFamily="49" charset="0"/>
+                  <a:cs typeface="Consolas" panose="020B0609020204030204" pitchFamily="49" charset="0"/>
+                </a:rPr>
+                <a:t>  setup:</a:t>
+              </a:r>
+            </a:p>
+            <a:p>
+              <a:r>
+                <a:rPr lang="en-US" sz="1200" b="1" dirty="0">
+                  <a:solidFill>
+                    <a:srgbClr val="7030A0"/>
+                  </a:solidFill>
+                  <a:latin typeface="Consolas" panose="020B0609020204030204" pitchFamily="49" charset="0"/>
+                  <a:cs typeface="Consolas" panose="020B0609020204030204" pitchFamily="49" charset="0"/>
+                </a:rPr>
+                <a:t>    runs-on: windows-2019</a:t>
+              </a:r>
+            </a:p>
+            <a:p>
+              <a:r>
+                <a:rPr lang="en-US" sz="1200" b="1" dirty="0">
+                  <a:solidFill>
+                    <a:srgbClr val="7030A0"/>
+                  </a:solidFill>
+                  <a:latin typeface="Consolas" panose="020B0609020204030204" pitchFamily="49" charset="0"/>
+                  <a:cs typeface="Consolas" panose="020B0609020204030204" pitchFamily="49" charset="0"/>
+                </a:rPr>
+                <a:t>    outputs:</a:t>
+              </a:r>
+            </a:p>
+            <a:p>
+              <a:r>
+                <a:rPr lang="en-US" sz="1200" b="1" dirty="0">
+                  <a:solidFill>
+                    <a:srgbClr val="7030A0"/>
+                  </a:solidFill>
+                  <a:latin typeface="Consolas" panose="020B0609020204030204" pitchFamily="49" charset="0"/>
+                  <a:cs typeface="Consolas" panose="020B0609020204030204" pitchFamily="49" charset="0"/>
+                </a:rPr>
+                <a:t>      message: </a:t>
+              </a:r>
+              <a:r>
+                <a:rPr lang="en-US" sz="1200" b="1" dirty="0">
+                  <a:latin typeface="Consolas" panose="020B0609020204030204" pitchFamily="49" charset="0"/>
+                  <a:cs typeface="Consolas" panose="020B0609020204030204" pitchFamily="49" charset="0"/>
+                </a:rPr>
+                <a:t>${{ </a:t>
+              </a:r>
+              <a:r>
+                <a:rPr lang="en-US" sz="1200" b="1" dirty="0" err="1">
+                  <a:latin typeface="Consolas" panose="020B0609020204030204" pitchFamily="49" charset="0"/>
+                  <a:cs typeface="Consolas" panose="020B0609020204030204" pitchFamily="49" charset="0"/>
+                </a:rPr>
+                <a:t>steps.test.outputs.message</a:t>
+              </a:r>
+              <a:r>
+                <a:rPr lang="en-US" sz="1200" b="1" dirty="0">
+                  <a:latin typeface="Consolas" panose="020B0609020204030204" pitchFamily="49" charset="0"/>
+                  <a:cs typeface="Consolas" panose="020B0609020204030204" pitchFamily="49" charset="0"/>
+                </a:rPr>
+                <a:t> }}    </a:t>
+              </a:r>
+            </a:p>
+            <a:p>
+              <a:r>
+                <a:rPr lang="en-US" sz="1200" b="1" dirty="0">
+                  <a:solidFill>
+                    <a:srgbClr val="7030A0"/>
+                  </a:solidFill>
+                  <a:latin typeface="Consolas" panose="020B0609020204030204" pitchFamily="49" charset="0"/>
+                  <a:cs typeface="Consolas" panose="020B0609020204030204" pitchFamily="49" charset="0"/>
+                </a:rPr>
+                <a:t>  </a:t>
+              </a:r>
+            </a:p>
+            <a:p>
+              <a:r>
+                <a:rPr lang="en-US" sz="1200" b="1" dirty="0">
+                  <a:solidFill>
+                    <a:srgbClr val="7030A0"/>
+                  </a:solidFill>
+                  <a:latin typeface="Consolas" panose="020B0609020204030204" pitchFamily="49" charset="0"/>
+                  <a:cs typeface="Consolas" panose="020B0609020204030204" pitchFamily="49" charset="0"/>
+                </a:rPr>
+                <a:t>    steps:</a:t>
+              </a:r>
+            </a:p>
+            <a:p>
+              <a:r>
+                <a:rPr lang="en-US" sz="1200" b="1" dirty="0">
+                  <a:solidFill>
+                    <a:srgbClr val="7030A0"/>
+                  </a:solidFill>
+                  <a:latin typeface="Consolas" panose="020B0609020204030204" pitchFamily="49" charset="0"/>
+                  <a:cs typeface="Consolas" panose="020B0609020204030204" pitchFamily="49" charset="0"/>
+                </a:rPr>
+                <a:t>      - uses: </a:t>
+              </a:r>
+              <a:r>
+                <a:rPr lang="en-US" sz="1200" b="1" dirty="0">
+                  <a:latin typeface="Consolas" panose="020B0609020204030204" pitchFamily="49" charset="0"/>
+                  <a:cs typeface="Consolas" panose="020B0609020204030204" pitchFamily="49" charset="0"/>
+                </a:rPr>
+                <a:t>actions/checkout@v2</a:t>
+              </a:r>
+            </a:p>
+            <a:p>
+              <a:r>
+                <a:rPr lang="en-US" sz="1200" b="1" dirty="0">
+                  <a:latin typeface="Consolas" panose="020B0609020204030204" pitchFamily="49" charset="0"/>
+                  <a:cs typeface="Consolas" panose="020B0609020204030204" pitchFamily="49" charset="0"/>
+                </a:rPr>
+                <a:t>      </a:t>
+              </a:r>
+            </a:p>
+            <a:p>
+              <a:r>
+                <a:rPr lang="en-US" sz="1200" b="1" dirty="0">
+                  <a:solidFill>
+                    <a:srgbClr val="7030A0"/>
+                  </a:solidFill>
+                  <a:latin typeface="Consolas" panose="020B0609020204030204" pitchFamily="49" charset="0"/>
+                  <a:cs typeface="Consolas" panose="020B0609020204030204" pitchFamily="49" charset="0"/>
+                </a:rPr>
+                <a:t>      - name: </a:t>
+              </a:r>
+              <a:r>
+                <a:rPr lang="en-US" sz="1200" b="1" dirty="0">
+                  <a:latin typeface="Consolas" panose="020B0609020204030204" pitchFamily="49" charset="0"/>
+                  <a:cs typeface="Consolas" panose="020B0609020204030204" pitchFamily="49" charset="0"/>
+                </a:rPr>
+                <a:t>Write Output</a:t>
+              </a:r>
+            </a:p>
+            <a:p>
+              <a:r>
+                <a:rPr lang="en-US" sz="1200" b="1" dirty="0">
+                  <a:solidFill>
+                    <a:srgbClr val="7030A0"/>
+                  </a:solidFill>
+                  <a:latin typeface="Consolas" panose="020B0609020204030204" pitchFamily="49" charset="0"/>
+                  <a:cs typeface="Consolas" panose="020B0609020204030204" pitchFamily="49" charset="0"/>
+                </a:rPr>
+                <a:t>        id: </a:t>
+              </a:r>
+              <a:r>
+                <a:rPr lang="en-US" sz="1200" b="1" dirty="0">
+                  <a:latin typeface="Consolas" panose="020B0609020204030204" pitchFamily="49" charset="0"/>
+                  <a:cs typeface="Consolas" panose="020B0609020204030204" pitchFamily="49" charset="0"/>
+                </a:rPr>
+                <a:t>test</a:t>
+              </a:r>
+            </a:p>
+            <a:p>
+              <a:r>
+                <a:rPr lang="en-US" sz="1200" b="1" dirty="0">
+                  <a:latin typeface="Consolas" panose="020B0609020204030204" pitchFamily="49" charset="0"/>
+                  <a:cs typeface="Consolas" panose="020B0609020204030204" pitchFamily="49" charset="0"/>
+                </a:rPr>
+                <a:t>        </a:t>
+              </a:r>
+              <a:r>
+                <a:rPr lang="en-US" sz="1200" b="1" dirty="0">
+                  <a:solidFill>
+                    <a:srgbClr val="7030A0"/>
+                  </a:solidFill>
+                  <a:latin typeface="Consolas" panose="020B0609020204030204" pitchFamily="49" charset="0"/>
+                  <a:cs typeface="Consolas" panose="020B0609020204030204" pitchFamily="49" charset="0"/>
+                </a:rPr>
+                <a:t>shell: </a:t>
+              </a:r>
+              <a:r>
+                <a:rPr lang="en-US" sz="1200" b="1" dirty="0">
+                  <a:latin typeface="Consolas" panose="020B0609020204030204" pitchFamily="49" charset="0"/>
+                  <a:cs typeface="Consolas" panose="020B0609020204030204" pitchFamily="49" charset="0"/>
+                </a:rPr>
+                <a:t>bash</a:t>
+              </a:r>
+            </a:p>
+            <a:p>
+              <a:r>
+                <a:rPr lang="en-US" sz="1200" b="1" dirty="0">
+                  <a:solidFill>
+                    <a:srgbClr val="7030A0"/>
+                  </a:solidFill>
+                  <a:latin typeface="Consolas" panose="020B0609020204030204" pitchFamily="49" charset="0"/>
+                  <a:cs typeface="Consolas" panose="020B0609020204030204" pitchFamily="49" charset="0"/>
+                </a:rPr>
+                <a:t>        env:</a:t>
+              </a:r>
+            </a:p>
+            <a:p>
+              <a:r>
+                <a:rPr lang="en-US" sz="1200" b="1" dirty="0">
+                  <a:latin typeface="Consolas" panose="020B0609020204030204" pitchFamily="49" charset="0"/>
+                  <a:cs typeface="Consolas" panose="020B0609020204030204" pitchFamily="49" charset="0"/>
+                </a:rPr>
+                <a:t>          </a:t>
+              </a:r>
+              <a:r>
+                <a:rPr lang="en-US" sz="1200" b="1" dirty="0">
+                  <a:solidFill>
+                    <a:srgbClr val="7030A0"/>
+                  </a:solidFill>
+                  <a:latin typeface="Consolas" panose="020B0609020204030204" pitchFamily="49" charset="0"/>
+                  <a:cs typeface="Consolas" panose="020B0609020204030204" pitchFamily="49" charset="0"/>
+                </a:rPr>
+                <a:t>VALUE: </a:t>
+              </a:r>
+              <a:r>
+                <a:rPr lang="en-US" sz="1200" b="1" dirty="0">
+                  <a:latin typeface="Consolas" panose="020B0609020204030204" pitchFamily="49" charset="0"/>
+                  <a:cs typeface="Consolas" panose="020B0609020204030204" pitchFamily="49" charset="0"/>
+                </a:rPr>
+                <a:t>”some value”</a:t>
+              </a:r>
+            </a:p>
+            <a:p>
+              <a:r>
+                <a:rPr lang="en-US" sz="1200" b="1" dirty="0">
+                  <a:solidFill>
+                    <a:srgbClr val="7030A0"/>
+                  </a:solidFill>
+                  <a:latin typeface="Consolas" panose="020B0609020204030204" pitchFamily="49" charset="0"/>
+                  <a:cs typeface="Consolas" panose="020B0609020204030204" pitchFamily="49" charset="0"/>
+                </a:rPr>
+                <a:t>        run: </a:t>
+              </a:r>
+              <a:r>
+                <a:rPr lang="en-US" sz="1200" b="1" dirty="0">
+                  <a:latin typeface="Consolas" panose="020B0609020204030204" pitchFamily="49" charset="0"/>
+                  <a:cs typeface="Consolas" panose="020B0609020204030204" pitchFamily="49" charset="0"/>
+                </a:rPr>
+                <a:t>|</a:t>
+              </a:r>
+            </a:p>
+            <a:p>
+              <a:r>
+                <a:rPr lang="en-US" sz="1200" b="1" dirty="0">
+                  <a:latin typeface="Consolas" panose="020B0609020204030204" pitchFamily="49" charset="0"/>
+                  <a:cs typeface="Consolas" panose="020B0609020204030204" pitchFamily="49" charset="0"/>
+                </a:rPr>
+                <a:t>          echo "::set-output name=message::$VALUE"      </a:t>
+              </a:r>
+            </a:p>
+          </p:txBody>
+        </p:sp>
+      </p:grpSp>
+      <p:sp>
+        <p:nvSpPr>
+          <p:cNvPr id="16" name="Content Placeholder 2">
+            <a:extLst>
+              <a:ext uri="{FF2B5EF4-FFF2-40B4-BE49-F238E27FC236}">
+                <a16:creationId xmlns:a16="http://schemas.microsoft.com/office/drawing/2014/main" id="{D9DDB6C4-919D-8A40-9E32-58C25AA0D318}"/>
               </a:ext>
             </a:extLst>
           </p:cNvPr>
@@ -4296,40 +5239,27 @@
             <p:ph idx="1"/>
           </p:nvPr>
         </p:nvSpPr>
-        <p:spPr/>
+        <p:spPr>
+          <a:xfrm>
+            <a:off x="838200" y="1825625"/>
+            <a:ext cx="8869218" cy="622011"/>
+          </a:xfrm>
+        </p:spPr>
         <p:txBody>
           <a:bodyPr/>
           <a:lstStyle/>
           <a:p>
             <a:r>
               <a:rPr lang="en-US" dirty="0"/>
-              <a:t>Outputs</a:t>
-            </a:r>
-          </a:p>
-          <a:p>
-            <a:r>
-              <a:rPr lang="en-US" dirty="0"/>
-              <a:t>Artifacts</a:t>
-            </a:r>
-          </a:p>
-          <a:p>
-            <a:r>
-              <a:rPr lang="en-US" dirty="0"/>
-              <a:t>Context</a:t>
-            </a:r>
-          </a:p>
-          <a:p>
-            <a:pPr marL="0" indent="0">
-              <a:buNone/>
-            </a:pPr>
-            <a:endParaRPr lang="en-US" dirty="0"/>
+              <a:t>Pass values between Jobs or Steps</a:t>
+            </a:r>
           </a:p>
         </p:txBody>
       </p:sp>
     </p:spTree>
     <p:extLst>
       <p:ext uri="{BB962C8B-B14F-4D97-AF65-F5344CB8AC3E}">
-        <p14:creationId xmlns:p14="http://schemas.microsoft.com/office/powerpoint/2010/main" val="1166238277"/>
+        <p14:creationId xmlns:p14="http://schemas.microsoft.com/office/powerpoint/2010/main" val="2171191038"/>
       </p:ext>
     </p:extLst>
   </p:cSld>
@@ -4366,858 +5296,68 @@
       </p:grpSpPr>
       <p:sp>
         <p:nvSpPr>
-          <p:cNvPr id="4" name="Rectangle 3">
-            <a:extLst>
-              <a:ext uri="{FF2B5EF4-FFF2-40B4-BE49-F238E27FC236}">
-                <a16:creationId xmlns:a16="http://schemas.microsoft.com/office/drawing/2014/main" id="{7F55E671-5942-B84F-B223-A80D9DA3DD7B}"/>
-              </a:ext>
-            </a:extLst>
-          </p:cNvPr>
-          <p:cNvSpPr/>
+          <p:cNvPr id="2" name="Title 1">
+            <a:extLst>
+              <a:ext uri="{FF2B5EF4-FFF2-40B4-BE49-F238E27FC236}">
+                <a16:creationId xmlns:a16="http://schemas.microsoft.com/office/drawing/2014/main" id="{088D88CB-C5FE-2E49-877D-57D4D02AB0E9}"/>
+              </a:ext>
+            </a:extLst>
+          </p:cNvPr>
+          <p:cNvSpPr>
+            <a:spLocks noGrp="1"/>
+          </p:cNvSpPr>
+          <p:nvPr>
+            <p:ph type="title"/>
+          </p:nvPr>
+        </p:nvSpPr>
+        <p:spPr/>
+        <p:txBody>
+          <a:bodyPr/>
+          <a:lstStyle/>
+          <a:p>
+            <a:r>
+              <a:rPr lang="en-US" dirty="0">
+                <a:latin typeface="Arial Rounded MT Bold" panose="020F0704030504030204" pitchFamily="34" charset="77"/>
+              </a:rPr>
+              <a:t>Artifacts</a:t>
+            </a:r>
+          </a:p>
+        </p:txBody>
+      </p:sp>
+      <p:pic>
+        <p:nvPicPr>
+          <p:cNvPr id="4" name="Picture 3" descr="Graphical user interface, application&#10;&#10;Description automatically generated">
+            <a:extLst>
+              <a:ext uri="{FF2B5EF4-FFF2-40B4-BE49-F238E27FC236}">
+                <a16:creationId xmlns:a16="http://schemas.microsoft.com/office/drawing/2014/main" id="{B502D030-76DD-E24C-957F-ECC468525CBE}"/>
+              </a:ext>
+            </a:extLst>
+          </p:cNvPr>
+          <p:cNvPicPr>
+            <a:picLocks noChangeAspect="1"/>
+          </p:cNvPicPr>
           <p:nvPr/>
-        </p:nvSpPr>
+        </p:nvPicPr>
+        <p:blipFill>
+          <a:blip r:embed="rId3"/>
+          <a:stretch>
+            <a:fillRect/>
+          </a:stretch>
+        </p:blipFill>
         <p:spPr>
           <a:xfrm>
-            <a:off x="0" y="0"/>
-            <a:ext cx="4899378" cy="6858000"/>
-          </a:xfrm>
-          <a:prstGeom prst="rect">
-            <a:avLst/>
-          </a:prstGeom>
-          <a:solidFill>
-            <a:schemeClr val="bg1">
-              <a:lumMod val="95000"/>
-            </a:schemeClr>
-          </a:solidFill>
-          <a:ln>
-            <a:noFill/>
-          </a:ln>
-          <a:effectLst/>
-        </p:spPr>
-        <p:style>
-          <a:lnRef idx="2">
-            <a:schemeClr val="accent1">
-              <a:shade val="50000"/>
-            </a:schemeClr>
-          </a:lnRef>
-          <a:fillRef idx="1">
-            <a:schemeClr val="accent1"/>
-          </a:fillRef>
-          <a:effectRef idx="0">
-            <a:schemeClr val="accent1"/>
-          </a:effectRef>
-          <a:fontRef idx="minor">
-            <a:schemeClr val="lt1"/>
-          </a:fontRef>
-        </p:style>
-        <p:txBody>
-          <a:bodyPr rtlCol="0" anchor="ctr"/>
-          <a:lstStyle/>
-          <a:p>
-            <a:pPr algn="ctr"/>
-            <a:endParaRPr lang="en-US"/>
-          </a:p>
-        </p:txBody>
-      </p:sp>
-      <p:sp>
-        <p:nvSpPr>
-          <p:cNvPr id="8" name="Rectangle 7">
-            <a:extLst>
-              <a:ext uri="{FF2B5EF4-FFF2-40B4-BE49-F238E27FC236}">
-                <a16:creationId xmlns:a16="http://schemas.microsoft.com/office/drawing/2014/main" id="{F2445F64-423F-8D4E-B635-1304AAAB52A5}"/>
-              </a:ext>
-            </a:extLst>
-          </p:cNvPr>
-          <p:cNvSpPr/>
-          <p:nvPr/>
-        </p:nvSpPr>
-        <p:spPr>
-          <a:xfrm>
-            <a:off x="598312" y="439720"/>
-            <a:ext cx="4109155" cy="5239896"/>
+            <a:off x="1233343" y="2367101"/>
+            <a:ext cx="9725314" cy="2123798"/>
           </a:xfrm>
           <a:prstGeom prst="rect">
             <a:avLst/>
           </a:prstGeom>
         </p:spPr>
-        <p:txBody>
-          <a:bodyPr wrap="square">
-            <a:spAutoFit/>
-          </a:bodyPr>
-          <a:lstStyle/>
-          <a:p>
-            <a:endParaRPr lang="en-US" sz="1200" dirty="0">
-              <a:latin typeface="Consolas" panose="020B0609020204030204" pitchFamily="49" charset="0"/>
-              <a:cs typeface="Consolas" panose="020B0609020204030204" pitchFamily="49" charset="0"/>
-            </a:endParaRPr>
-          </a:p>
-          <a:p>
-            <a:r>
-              <a:rPr lang="en-US" sz="1200" b="1" dirty="0">
-                <a:solidFill>
-                  <a:srgbClr val="7030A0"/>
-                </a:solidFill>
-                <a:latin typeface="Consolas" panose="020B0609020204030204" pitchFamily="49" charset="0"/>
-                <a:cs typeface="Consolas" panose="020B0609020204030204" pitchFamily="49" charset="0"/>
-              </a:rPr>
-              <a:t>name: </a:t>
-            </a:r>
-            <a:r>
-              <a:rPr lang="en-US" sz="1200" b="1" dirty="0">
-                <a:latin typeface="Consolas" panose="020B0609020204030204" pitchFamily="49" charset="0"/>
-                <a:cs typeface="Consolas" panose="020B0609020204030204" pitchFamily="49" charset="0"/>
-              </a:rPr>
-              <a:t>Hello World Workflow</a:t>
-            </a:r>
-          </a:p>
-          <a:p>
-            <a:endParaRPr lang="en-US" sz="1050" b="1" dirty="0">
-              <a:latin typeface="Consolas" panose="020B0609020204030204" pitchFamily="49" charset="0"/>
-              <a:cs typeface="Consolas" panose="020B0609020204030204" pitchFamily="49" charset="0"/>
-            </a:endParaRPr>
-          </a:p>
-          <a:p>
-            <a:r>
-              <a:rPr lang="en-US" sz="1200" b="1" dirty="0">
-                <a:solidFill>
-                  <a:srgbClr val="7030A0"/>
-                </a:solidFill>
-                <a:latin typeface="Consolas" panose="020B0609020204030204" pitchFamily="49" charset="0"/>
-                <a:cs typeface="Consolas" panose="020B0609020204030204" pitchFamily="49" charset="0"/>
-              </a:rPr>
-              <a:t>on:</a:t>
-            </a:r>
-          </a:p>
-          <a:p>
-            <a:r>
-              <a:rPr lang="en-US" sz="1200" b="1" dirty="0">
-                <a:solidFill>
-                  <a:srgbClr val="7030A0"/>
-                </a:solidFill>
-                <a:latin typeface="Consolas" panose="020B0609020204030204" pitchFamily="49" charset="0"/>
-                <a:cs typeface="Consolas" panose="020B0609020204030204" pitchFamily="49" charset="0"/>
-              </a:rPr>
-              <a:t>  schedule:</a:t>
-            </a:r>
-          </a:p>
-          <a:p>
-            <a:r>
-              <a:rPr lang="en-US" sz="1200" b="1" dirty="0">
-                <a:solidFill>
-                  <a:srgbClr val="7030A0"/>
-                </a:solidFill>
-                <a:latin typeface="Consolas" panose="020B0609020204030204" pitchFamily="49" charset="0"/>
-                <a:cs typeface="Consolas" panose="020B0609020204030204" pitchFamily="49" charset="0"/>
-              </a:rPr>
-              <a:t>  - </a:t>
-            </a:r>
-            <a:r>
-              <a:rPr lang="en-US" sz="1200" b="1" dirty="0" err="1">
-                <a:solidFill>
-                  <a:srgbClr val="7030A0"/>
-                </a:solidFill>
-                <a:latin typeface="Consolas" panose="020B0609020204030204" pitchFamily="49" charset="0"/>
-                <a:cs typeface="Consolas" panose="020B0609020204030204" pitchFamily="49" charset="0"/>
-              </a:rPr>
-              <a:t>cron</a:t>
-            </a:r>
-            <a:r>
-              <a:rPr lang="en-US" sz="1200" b="1" dirty="0">
-                <a:solidFill>
-                  <a:srgbClr val="7030A0"/>
-                </a:solidFill>
-                <a:latin typeface="Consolas" panose="020B0609020204030204" pitchFamily="49" charset="0"/>
-                <a:cs typeface="Consolas" panose="020B0609020204030204" pitchFamily="49" charset="0"/>
-              </a:rPr>
-              <a:t>: </a:t>
-            </a:r>
-            <a:r>
-              <a:rPr lang="en-US" sz="1200" b="1" dirty="0">
-                <a:latin typeface="Consolas" panose="020B0609020204030204" pitchFamily="49" charset="0"/>
-                <a:cs typeface="Consolas" panose="020B0609020204030204" pitchFamily="49" charset="0"/>
-              </a:rPr>
-              <a:t>'*/30 5,17 * * *'</a:t>
-            </a:r>
-          </a:p>
-          <a:p>
-            <a:endParaRPr lang="en-US" sz="1200" b="1" dirty="0">
-              <a:latin typeface="Consolas" panose="020B0609020204030204" pitchFamily="49" charset="0"/>
-              <a:cs typeface="Consolas" panose="020B0609020204030204" pitchFamily="49" charset="0"/>
-            </a:endParaRPr>
-          </a:p>
-          <a:p>
-            <a:r>
-              <a:rPr lang="en-US" sz="1200" b="1" dirty="0">
-                <a:solidFill>
-                  <a:srgbClr val="7030A0"/>
-                </a:solidFill>
-                <a:latin typeface="Consolas" panose="020B0609020204030204" pitchFamily="49" charset="0"/>
-                <a:cs typeface="Consolas" panose="020B0609020204030204" pitchFamily="49" charset="0"/>
-              </a:rPr>
-              <a:t>jobs:</a:t>
-            </a:r>
-          </a:p>
-          <a:p>
-            <a:r>
-              <a:rPr lang="en-US" sz="1200" b="1" dirty="0">
-                <a:solidFill>
-                  <a:srgbClr val="7030A0"/>
-                </a:solidFill>
-                <a:latin typeface="Consolas" panose="020B0609020204030204" pitchFamily="49" charset="0"/>
-                <a:cs typeface="Consolas" panose="020B0609020204030204" pitchFamily="49" charset="0"/>
-              </a:rPr>
-              <a:t>  build:</a:t>
-            </a:r>
-          </a:p>
-          <a:p>
-            <a:r>
-              <a:rPr lang="en-US" sz="1200" b="1" dirty="0">
-                <a:latin typeface="Consolas" panose="020B0609020204030204" pitchFamily="49" charset="0"/>
-                <a:cs typeface="Consolas" panose="020B0609020204030204" pitchFamily="49" charset="0"/>
-              </a:rPr>
-              <a:t>    </a:t>
-            </a:r>
-            <a:r>
-              <a:rPr lang="en-US" sz="1200" b="1" dirty="0">
-                <a:solidFill>
-                  <a:srgbClr val="7030A0"/>
-                </a:solidFill>
-                <a:latin typeface="Consolas" panose="020B0609020204030204" pitchFamily="49" charset="0"/>
-                <a:cs typeface="Consolas" panose="020B0609020204030204" pitchFamily="49" charset="0"/>
-              </a:rPr>
-              <a:t>runs-on: </a:t>
-            </a:r>
-            <a:r>
-              <a:rPr lang="en-US" sz="1200" b="1" dirty="0">
-                <a:latin typeface="Consolas" panose="020B0609020204030204" pitchFamily="49" charset="0"/>
-                <a:cs typeface="Consolas" panose="020B0609020204030204" pitchFamily="49" charset="0"/>
-              </a:rPr>
-              <a:t>ubuntu-latest</a:t>
-            </a:r>
-          </a:p>
-          <a:p>
-            <a:endParaRPr lang="en-US" sz="1200" b="1" dirty="0">
-              <a:latin typeface="Consolas" panose="020B0609020204030204" pitchFamily="49" charset="0"/>
-              <a:cs typeface="Consolas" panose="020B0609020204030204" pitchFamily="49" charset="0"/>
-            </a:endParaRPr>
-          </a:p>
-          <a:p>
-            <a:r>
-              <a:rPr lang="en-US" sz="1200" b="1" dirty="0">
-                <a:solidFill>
-                  <a:srgbClr val="7030A0"/>
-                </a:solidFill>
-                <a:latin typeface="Consolas" panose="020B0609020204030204" pitchFamily="49" charset="0"/>
-                <a:cs typeface="Consolas" panose="020B0609020204030204" pitchFamily="49" charset="0"/>
-              </a:rPr>
-              <a:t>    steps:</a:t>
-            </a:r>
-          </a:p>
-          <a:p>
-            <a:r>
-              <a:rPr lang="en-US" sz="1200" b="1" dirty="0">
-                <a:solidFill>
-                  <a:srgbClr val="7030A0"/>
-                </a:solidFill>
-                <a:latin typeface="Consolas" panose="020B0609020204030204" pitchFamily="49" charset="0"/>
-                <a:cs typeface="Consolas" panose="020B0609020204030204" pitchFamily="49" charset="0"/>
-              </a:rPr>
-              <a:t>      - uses: </a:t>
-            </a:r>
-            <a:r>
-              <a:rPr lang="en-US" sz="1200" b="1" dirty="0">
-                <a:latin typeface="Consolas" panose="020B0609020204030204" pitchFamily="49" charset="0"/>
-                <a:cs typeface="Consolas" panose="020B0609020204030204" pitchFamily="49" charset="0"/>
-              </a:rPr>
-              <a:t>actions/checkout@v2</a:t>
-            </a:r>
-          </a:p>
-          <a:p>
-            <a:endParaRPr lang="en-US" sz="1200" b="1" dirty="0">
-              <a:latin typeface="Consolas" panose="020B0609020204030204" pitchFamily="49" charset="0"/>
-              <a:cs typeface="Consolas" panose="020B0609020204030204" pitchFamily="49" charset="0"/>
-            </a:endParaRPr>
-          </a:p>
-          <a:p>
-            <a:r>
-              <a:rPr lang="en-US" sz="1200" b="1" dirty="0">
-                <a:solidFill>
-                  <a:srgbClr val="7030A0"/>
-                </a:solidFill>
-                <a:latin typeface="Consolas" panose="020B0609020204030204" pitchFamily="49" charset="0"/>
-                <a:cs typeface="Consolas" panose="020B0609020204030204" pitchFamily="49" charset="0"/>
-              </a:rPr>
-              <a:t>      - name: </a:t>
-            </a:r>
-            <a:r>
-              <a:rPr lang="en-US" sz="1200" b="1" dirty="0">
-                <a:latin typeface="Consolas" panose="020B0609020204030204" pitchFamily="49" charset="0"/>
-                <a:cs typeface="Consolas" panose="020B0609020204030204" pitchFamily="49" charset="0"/>
-              </a:rPr>
-              <a:t>Single Command</a:t>
-            </a:r>
-          </a:p>
-          <a:p>
-            <a:r>
-              <a:rPr lang="en-US" sz="1200" b="1" dirty="0">
-                <a:solidFill>
-                  <a:srgbClr val="7030A0"/>
-                </a:solidFill>
-                <a:latin typeface="Consolas" panose="020B0609020204030204" pitchFamily="49" charset="0"/>
-                <a:cs typeface="Consolas" panose="020B0609020204030204" pitchFamily="49" charset="0"/>
-              </a:rPr>
-              <a:t>        run: </a:t>
-            </a:r>
-            <a:r>
-              <a:rPr lang="en-US" sz="1200" b="1" dirty="0">
-                <a:latin typeface="Consolas" panose="020B0609020204030204" pitchFamily="49" charset="0"/>
-                <a:cs typeface="Consolas" panose="020B0609020204030204" pitchFamily="49" charset="0"/>
-              </a:rPr>
-              <a:t>echo Hello, world!</a:t>
-            </a:r>
-          </a:p>
-          <a:p>
-            <a:r>
-              <a:rPr lang="en-US" sz="1200" b="1" dirty="0">
-                <a:latin typeface="Consolas" panose="020B0609020204030204" pitchFamily="49" charset="0"/>
-                <a:cs typeface="Consolas" panose="020B0609020204030204" pitchFamily="49" charset="0"/>
-              </a:rPr>
-              <a:t>      </a:t>
-            </a:r>
-          </a:p>
-          <a:p>
-            <a:r>
-              <a:rPr lang="en-US" sz="1200" b="1" dirty="0">
-                <a:solidFill>
-                  <a:srgbClr val="7030A0"/>
-                </a:solidFill>
-                <a:latin typeface="Consolas" panose="020B0609020204030204" pitchFamily="49" charset="0"/>
-                <a:cs typeface="Consolas" panose="020B0609020204030204" pitchFamily="49" charset="0"/>
-              </a:rPr>
-              <a:t>      - name: </a:t>
-            </a:r>
-            <a:r>
-              <a:rPr lang="en-US" sz="1200" b="1" dirty="0">
-                <a:latin typeface="Consolas" panose="020B0609020204030204" pitchFamily="49" charset="0"/>
-                <a:cs typeface="Consolas" panose="020B0609020204030204" pitchFamily="49" charset="0"/>
-              </a:rPr>
-              <a:t>Create File</a:t>
-            </a:r>
-          </a:p>
-          <a:p>
-            <a:r>
-              <a:rPr lang="en-US" sz="1200" b="1" dirty="0">
-                <a:latin typeface="Consolas" panose="020B0609020204030204" pitchFamily="49" charset="0"/>
-                <a:cs typeface="Consolas" panose="020B0609020204030204" pitchFamily="49" charset="0"/>
-              </a:rPr>
-              <a:t>        run: |</a:t>
-            </a:r>
-          </a:p>
-          <a:p>
-            <a:r>
-              <a:rPr lang="en-US" sz="1200" b="1" dirty="0">
-                <a:latin typeface="Consolas" panose="020B0609020204030204" pitchFamily="49" charset="0"/>
-                <a:cs typeface="Consolas" panose="020B0609020204030204" pitchFamily="49" charset="0"/>
-              </a:rPr>
-              <a:t>          touch </a:t>
-            </a:r>
-            <a:r>
-              <a:rPr lang="en-US" sz="1200" b="1" dirty="0" err="1">
-                <a:latin typeface="Consolas" panose="020B0609020204030204" pitchFamily="49" charset="0"/>
-                <a:cs typeface="Consolas" panose="020B0609020204030204" pitchFamily="49" charset="0"/>
-              </a:rPr>
-              <a:t>greeting.txt</a:t>
-            </a:r>
-            <a:endParaRPr lang="en-US" sz="1200" b="1" dirty="0">
-              <a:latin typeface="Consolas" panose="020B0609020204030204" pitchFamily="49" charset="0"/>
-              <a:cs typeface="Consolas" panose="020B0609020204030204" pitchFamily="49" charset="0"/>
-            </a:endParaRPr>
-          </a:p>
-          <a:p>
-            <a:r>
-              <a:rPr lang="en-US" sz="1200" b="1" dirty="0">
-                <a:latin typeface="Consolas" panose="020B0609020204030204" pitchFamily="49" charset="0"/>
-                <a:cs typeface="Consolas" panose="020B0609020204030204" pitchFamily="49" charset="0"/>
-              </a:rPr>
-              <a:t>          cat &gt;&gt; </a:t>
-            </a:r>
-            <a:r>
-              <a:rPr lang="en-US" sz="1200" b="1" dirty="0" err="1">
-                <a:latin typeface="Consolas" panose="020B0609020204030204" pitchFamily="49" charset="0"/>
-                <a:cs typeface="Consolas" panose="020B0609020204030204" pitchFamily="49" charset="0"/>
-              </a:rPr>
-              <a:t>greeting.txt</a:t>
-            </a:r>
-            <a:r>
-              <a:rPr lang="en-US" sz="1200" b="1" dirty="0">
-                <a:latin typeface="Consolas" panose="020B0609020204030204" pitchFamily="49" charset="0"/>
-                <a:cs typeface="Consolas" panose="020B0609020204030204" pitchFamily="49" charset="0"/>
-              </a:rPr>
-              <a:t> &lt;&lt;EOL</a:t>
-            </a:r>
-          </a:p>
-          <a:p>
-            <a:r>
-              <a:rPr lang="en-US" sz="1200" b="1" dirty="0">
-                <a:latin typeface="Consolas" panose="020B0609020204030204" pitchFamily="49" charset="0"/>
-                <a:cs typeface="Consolas" panose="020B0609020204030204" pitchFamily="49" charset="0"/>
-              </a:rPr>
-              <a:t>          Hello World</a:t>
-            </a:r>
-          </a:p>
-          <a:p>
-            <a:r>
-              <a:rPr lang="en-US" sz="1200" b="1" dirty="0">
-                <a:latin typeface="Consolas" panose="020B0609020204030204" pitchFamily="49" charset="0"/>
-                <a:cs typeface="Consolas" panose="020B0609020204030204" pitchFamily="49" charset="0"/>
-              </a:rPr>
-              <a:t>          EOL</a:t>
-            </a:r>
-          </a:p>
-          <a:p>
-            <a:r>
-              <a:rPr lang="en-US" sz="1200" b="1" dirty="0">
-                <a:latin typeface="Consolas" panose="020B0609020204030204" pitchFamily="49" charset="0"/>
-                <a:cs typeface="Consolas" panose="020B0609020204030204" pitchFamily="49" charset="0"/>
-              </a:rPr>
-              <a:t>      </a:t>
-            </a:r>
-          </a:p>
-          <a:p>
-            <a:r>
-              <a:rPr lang="en-US" sz="1200" b="1" dirty="0">
-                <a:solidFill>
-                  <a:srgbClr val="7030A0"/>
-                </a:solidFill>
-                <a:latin typeface="Consolas" panose="020B0609020204030204" pitchFamily="49" charset="0"/>
-                <a:cs typeface="Consolas" panose="020B0609020204030204" pitchFamily="49" charset="0"/>
-              </a:rPr>
-              <a:t>      - uses: </a:t>
-            </a:r>
-            <a:r>
-              <a:rPr lang="en-US" sz="1200" b="1" dirty="0">
-                <a:latin typeface="Consolas" panose="020B0609020204030204" pitchFamily="49" charset="0"/>
-                <a:cs typeface="Consolas" panose="020B0609020204030204" pitchFamily="49" charset="0"/>
-              </a:rPr>
-              <a:t>actions/upload-artifact@v2</a:t>
-            </a:r>
-          </a:p>
-          <a:p>
-            <a:r>
-              <a:rPr lang="en-US" sz="1200" b="1" dirty="0">
-                <a:solidFill>
-                  <a:srgbClr val="7030A0"/>
-                </a:solidFill>
-                <a:latin typeface="Consolas" panose="020B0609020204030204" pitchFamily="49" charset="0"/>
-                <a:cs typeface="Consolas" panose="020B0609020204030204" pitchFamily="49" charset="0"/>
-              </a:rPr>
-              <a:t>        with:</a:t>
-            </a:r>
-          </a:p>
-          <a:p>
-            <a:r>
-              <a:rPr lang="en-US" sz="1200" b="1" dirty="0">
-                <a:solidFill>
-                  <a:srgbClr val="7030A0"/>
-                </a:solidFill>
-                <a:latin typeface="Consolas" panose="020B0609020204030204" pitchFamily="49" charset="0"/>
-                <a:cs typeface="Consolas" panose="020B0609020204030204" pitchFamily="49" charset="0"/>
-              </a:rPr>
-              <a:t>          name: </a:t>
-            </a:r>
-            <a:r>
-              <a:rPr lang="en-US" sz="1200" b="1" dirty="0">
-                <a:latin typeface="Consolas" panose="020B0609020204030204" pitchFamily="49" charset="0"/>
-                <a:cs typeface="Consolas" panose="020B0609020204030204" pitchFamily="49" charset="0"/>
-              </a:rPr>
-              <a:t>"Greeting File"</a:t>
-            </a:r>
-          </a:p>
-          <a:p>
-            <a:r>
-              <a:rPr lang="en-US" sz="1200" b="1" dirty="0">
-                <a:solidFill>
-                  <a:srgbClr val="7030A0"/>
-                </a:solidFill>
-                <a:latin typeface="Consolas" panose="020B0609020204030204" pitchFamily="49" charset="0"/>
-                <a:cs typeface="Consolas" panose="020B0609020204030204" pitchFamily="49" charset="0"/>
-              </a:rPr>
-              <a:t>          path: </a:t>
-            </a:r>
-            <a:r>
-              <a:rPr lang="en-US" sz="1200" b="1" dirty="0" err="1">
-                <a:latin typeface="Consolas" panose="020B0609020204030204" pitchFamily="49" charset="0"/>
-                <a:cs typeface="Consolas" panose="020B0609020204030204" pitchFamily="49" charset="0"/>
-              </a:rPr>
-              <a:t>greeting.txt</a:t>
-            </a:r>
-            <a:endParaRPr lang="en-US" sz="1200" b="1" dirty="0">
-              <a:latin typeface="Consolas" panose="020B0609020204030204" pitchFamily="49" charset="0"/>
-              <a:cs typeface="Consolas" panose="020B0609020204030204" pitchFamily="49" charset="0"/>
-            </a:endParaRPr>
-          </a:p>
-        </p:txBody>
-      </p:sp>
-      <p:sp>
-        <p:nvSpPr>
-          <p:cNvPr id="35" name="Rectangle 34">
-            <a:extLst>
-              <a:ext uri="{FF2B5EF4-FFF2-40B4-BE49-F238E27FC236}">
-                <a16:creationId xmlns:a16="http://schemas.microsoft.com/office/drawing/2014/main" id="{FC030212-960C-3F41-BACE-DEC65BEDB856}"/>
-              </a:ext>
-            </a:extLst>
-          </p:cNvPr>
-          <p:cNvSpPr/>
-          <p:nvPr/>
-        </p:nvSpPr>
-        <p:spPr>
-          <a:xfrm>
-            <a:off x="5366841" y="568097"/>
-            <a:ext cx="1883593" cy="369332"/>
-          </a:xfrm>
-          <a:prstGeom prst="rect">
-            <a:avLst/>
-          </a:prstGeom>
-        </p:spPr>
-        <p:txBody>
-          <a:bodyPr wrap="none">
-            <a:spAutoFit/>
-          </a:bodyPr>
-          <a:lstStyle/>
-          <a:p>
-            <a:r>
-              <a:rPr lang="en-US" dirty="0">
-                <a:latin typeface="Arial Rounded MT Bold" panose="020F0704030504030204" pitchFamily="34" charset="77"/>
-              </a:rPr>
-              <a:t>Event Triggers:</a:t>
-            </a:r>
-            <a:endParaRPr lang="en-US" dirty="0"/>
-          </a:p>
-        </p:txBody>
-      </p:sp>
-      <p:sp>
-        <p:nvSpPr>
-          <p:cNvPr id="40" name="Rectangle 39">
-            <a:extLst>
-              <a:ext uri="{FF2B5EF4-FFF2-40B4-BE49-F238E27FC236}">
-                <a16:creationId xmlns:a16="http://schemas.microsoft.com/office/drawing/2014/main" id="{AFB9D8BA-DB5E-224A-8F52-12ACC83E8793}"/>
-              </a:ext>
-            </a:extLst>
-          </p:cNvPr>
-          <p:cNvSpPr/>
-          <p:nvPr/>
-        </p:nvSpPr>
-        <p:spPr>
-          <a:xfrm>
-            <a:off x="7440742" y="568097"/>
-            <a:ext cx="2337499" cy="5355312"/>
-          </a:xfrm>
-          <a:prstGeom prst="rect">
-            <a:avLst/>
-          </a:prstGeom>
-        </p:spPr>
-        <p:txBody>
-          <a:bodyPr wrap="none">
-            <a:spAutoFit/>
-          </a:bodyPr>
-          <a:lstStyle/>
-          <a:p>
-            <a:r>
-              <a:rPr lang="en-US" dirty="0" err="1">
-                <a:solidFill>
-                  <a:srgbClr val="0070C0"/>
-                </a:solidFill>
-                <a:latin typeface="Consolas" panose="020B0609020204030204" pitchFamily="49" charset="0"/>
-                <a:cs typeface="Consolas" panose="020B0609020204030204" pitchFamily="49" charset="0"/>
-              </a:rPr>
-              <a:t>check_run</a:t>
-            </a:r>
-            <a:endParaRPr lang="en-US" dirty="0">
-              <a:solidFill>
-                <a:srgbClr val="0070C0"/>
-              </a:solidFill>
-              <a:latin typeface="Consolas" panose="020B0609020204030204" pitchFamily="49" charset="0"/>
-              <a:cs typeface="Consolas" panose="020B0609020204030204" pitchFamily="49" charset="0"/>
-            </a:endParaRPr>
-          </a:p>
-          <a:p>
-            <a:r>
-              <a:rPr lang="en-US" dirty="0" err="1">
-                <a:solidFill>
-                  <a:srgbClr val="0070C0"/>
-                </a:solidFill>
-                <a:latin typeface="Consolas" panose="020B0609020204030204" pitchFamily="49" charset="0"/>
-                <a:cs typeface="Consolas" panose="020B0609020204030204" pitchFamily="49" charset="0"/>
-              </a:rPr>
-              <a:t>check_suite</a:t>
-            </a:r>
-            <a:endParaRPr lang="en-US" dirty="0">
-              <a:solidFill>
-                <a:srgbClr val="0070C0"/>
-              </a:solidFill>
-              <a:latin typeface="Consolas" panose="020B0609020204030204" pitchFamily="49" charset="0"/>
-              <a:cs typeface="Consolas" panose="020B0609020204030204" pitchFamily="49" charset="0"/>
-            </a:endParaRPr>
-          </a:p>
-          <a:p>
-            <a:r>
-              <a:rPr lang="en-US" dirty="0">
-                <a:solidFill>
-                  <a:srgbClr val="0070C0"/>
-                </a:solidFill>
-                <a:latin typeface="Consolas" panose="020B0609020204030204" pitchFamily="49" charset="0"/>
-                <a:cs typeface="Consolas" panose="020B0609020204030204" pitchFamily="49" charset="0"/>
-              </a:rPr>
-              <a:t>create</a:t>
-            </a:r>
-          </a:p>
-          <a:p>
-            <a:r>
-              <a:rPr lang="en-US" dirty="0">
-                <a:solidFill>
-                  <a:srgbClr val="0070C0"/>
-                </a:solidFill>
-                <a:latin typeface="Consolas" panose="020B0609020204030204" pitchFamily="49" charset="0"/>
-                <a:cs typeface="Consolas" panose="020B0609020204030204" pitchFamily="49" charset="0"/>
-              </a:rPr>
-              <a:t>delete</a:t>
-            </a:r>
-          </a:p>
-          <a:p>
-            <a:r>
-              <a:rPr lang="en-US" dirty="0">
-                <a:solidFill>
-                  <a:srgbClr val="0070C0"/>
-                </a:solidFill>
-                <a:latin typeface="Consolas" panose="020B0609020204030204" pitchFamily="49" charset="0"/>
-                <a:cs typeface="Consolas" panose="020B0609020204030204" pitchFamily="49" charset="0"/>
-              </a:rPr>
-              <a:t>deployment</a:t>
-            </a:r>
-          </a:p>
-          <a:p>
-            <a:r>
-              <a:rPr lang="en-US" dirty="0" err="1">
-                <a:solidFill>
-                  <a:srgbClr val="0070C0"/>
-                </a:solidFill>
-                <a:latin typeface="Consolas" panose="020B0609020204030204" pitchFamily="49" charset="0"/>
-                <a:cs typeface="Consolas" panose="020B0609020204030204" pitchFamily="49" charset="0"/>
-              </a:rPr>
-              <a:t>deployment_status</a:t>
-            </a:r>
-            <a:endParaRPr lang="en-US" dirty="0">
-              <a:solidFill>
-                <a:srgbClr val="0070C0"/>
-              </a:solidFill>
-              <a:latin typeface="Consolas" panose="020B0609020204030204" pitchFamily="49" charset="0"/>
-              <a:cs typeface="Consolas" panose="020B0609020204030204" pitchFamily="49" charset="0"/>
-            </a:endParaRPr>
-          </a:p>
-          <a:p>
-            <a:r>
-              <a:rPr lang="en-US" dirty="0">
-                <a:solidFill>
-                  <a:srgbClr val="0070C0"/>
-                </a:solidFill>
-                <a:latin typeface="Consolas" panose="020B0609020204030204" pitchFamily="49" charset="0"/>
-                <a:cs typeface="Consolas" panose="020B0609020204030204" pitchFamily="49" charset="0"/>
-              </a:rPr>
-              <a:t>fork</a:t>
-            </a:r>
-          </a:p>
-          <a:p>
-            <a:r>
-              <a:rPr lang="en-US" dirty="0" err="1">
-                <a:solidFill>
-                  <a:srgbClr val="0070C0"/>
-                </a:solidFill>
-                <a:latin typeface="Consolas" panose="020B0609020204030204" pitchFamily="49" charset="0"/>
-                <a:cs typeface="Consolas" panose="020B0609020204030204" pitchFamily="49" charset="0"/>
-              </a:rPr>
-              <a:t>gollum</a:t>
-            </a:r>
-            <a:endParaRPr lang="en-US" dirty="0">
-              <a:solidFill>
-                <a:srgbClr val="0070C0"/>
-              </a:solidFill>
-              <a:latin typeface="Consolas" panose="020B0609020204030204" pitchFamily="49" charset="0"/>
-              <a:cs typeface="Consolas" panose="020B0609020204030204" pitchFamily="49" charset="0"/>
-            </a:endParaRPr>
-          </a:p>
-          <a:p>
-            <a:r>
-              <a:rPr lang="en-US" dirty="0" err="1">
-                <a:solidFill>
-                  <a:srgbClr val="0070C0"/>
-                </a:solidFill>
-                <a:latin typeface="Consolas" panose="020B0609020204030204" pitchFamily="49" charset="0"/>
-                <a:cs typeface="Consolas" panose="020B0609020204030204" pitchFamily="49" charset="0"/>
-              </a:rPr>
-              <a:t>issue_comment</a:t>
-            </a:r>
-            <a:endParaRPr lang="en-US" dirty="0">
-              <a:solidFill>
-                <a:srgbClr val="0070C0"/>
-              </a:solidFill>
-              <a:latin typeface="Consolas" panose="020B0609020204030204" pitchFamily="49" charset="0"/>
-              <a:cs typeface="Consolas" panose="020B0609020204030204" pitchFamily="49" charset="0"/>
-            </a:endParaRPr>
-          </a:p>
-          <a:p>
-            <a:r>
-              <a:rPr lang="en-US" dirty="0">
-                <a:solidFill>
-                  <a:srgbClr val="0070C0"/>
-                </a:solidFill>
-                <a:latin typeface="Consolas" panose="020B0609020204030204" pitchFamily="49" charset="0"/>
-                <a:cs typeface="Consolas" panose="020B0609020204030204" pitchFamily="49" charset="0"/>
-              </a:rPr>
-              <a:t>issues</a:t>
-            </a:r>
-          </a:p>
-          <a:p>
-            <a:r>
-              <a:rPr lang="en-US" dirty="0">
-                <a:solidFill>
-                  <a:srgbClr val="0070C0"/>
-                </a:solidFill>
-                <a:latin typeface="Consolas" panose="020B0609020204030204" pitchFamily="49" charset="0"/>
-                <a:cs typeface="Consolas" panose="020B0609020204030204" pitchFamily="49" charset="0"/>
-              </a:rPr>
-              <a:t>label</a:t>
-            </a:r>
-          </a:p>
-          <a:p>
-            <a:r>
-              <a:rPr lang="en-US" dirty="0">
-                <a:solidFill>
-                  <a:srgbClr val="0070C0"/>
-                </a:solidFill>
-                <a:latin typeface="Consolas" panose="020B0609020204030204" pitchFamily="49" charset="0"/>
-                <a:cs typeface="Consolas" panose="020B0609020204030204" pitchFamily="49" charset="0"/>
-              </a:rPr>
-              <a:t>milestone</a:t>
-            </a:r>
-          </a:p>
-          <a:p>
-            <a:r>
-              <a:rPr lang="en-US" dirty="0" err="1">
-                <a:solidFill>
-                  <a:srgbClr val="0070C0"/>
-                </a:solidFill>
-                <a:latin typeface="Consolas" panose="020B0609020204030204" pitchFamily="49" charset="0"/>
-                <a:cs typeface="Consolas" panose="020B0609020204030204" pitchFamily="49" charset="0"/>
-              </a:rPr>
-              <a:t>page_build</a:t>
-            </a:r>
-            <a:endParaRPr lang="en-US" dirty="0">
-              <a:solidFill>
-                <a:srgbClr val="0070C0"/>
-              </a:solidFill>
-              <a:latin typeface="Consolas" panose="020B0609020204030204" pitchFamily="49" charset="0"/>
-              <a:cs typeface="Consolas" panose="020B0609020204030204" pitchFamily="49" charset="0"/>
-            </a:endParaRPr>
-          </a:p>
-          <a:p>
-            <a:r>
-              <a:rPr lang="en-US" dirty="0">
-                <a:solidFill>
-                  <a:srgbClr val="0070C0"/>
-                </a:solidFill>
-                <a:latin typeface="Consolas" panose="020B0609020204030204" pitchFamily="49" charset="0"/>
-                <a:cs typeface="Consolas" panose="020B0609020204030204" pitchFamily="49" charset="0"/>
-              </a:rPr>
-              <a:t>project</a:t>
-            </a:r>
-          </a:p>
-          <a:p>
-            <a:r>
-              <a:rPr lang="en-US" dirty="0" err="1">
-                <a:solidFill>
-                  <a:srgbClr val="0070C0"/>
-                </a:solidFill>
-                <a:latin typeface="Consolas" panose="020B0609020204030204" pitchFamily="49" charset="0"/>
-                <a:cs typeface="Consolas" panose="020B0609020204030204" pitchFamily="49" charset="0"/>
-              </a:rPr>
-              <a:t>project_card</a:t>
-            </a:r>
-            <a:endParaRPr lang="en-US" dirty="0">
-              <a:solidFill>
-                <a:srgbClr val="0070C0"/>
-              </a:solidFill>
-              <a:latin typeface="Consolas" panose="020B0609020204030204" pitchFamily="49" charset="0"/>
-              <a:cs typeface="Consolas" panose="020B0609020204030204" pitchFamily="49" charset="0"/>
-            </a:endParaRPr>
-          </a:p>
-          <a:p>
-            <a:r>
-              <a:rPr lang="en-US" dirty="0" err="1">
-                <a:solidFill>
-                  <a:srgbClr val="0070C0"/>
-                </a:solidFill>
-                <a:latin typeface="Consolas" panose="020B0609020204030204" pitchFamily="49" charset="0"/>
-                <a:cs typeface="Consolas" panose="020B0609020204030204" pitchFamily="49" charset="0"/>
-              </a:rPr>
-              <a:t>project_column</a:t>
-            </a:r>
-            <a:endParaRPr lang="en-US" dirty="0">
-              <a:solidFill>
-                <a:srgbClr val="0070C0"/>
-              </a:solidFill>
-              <a:latin typeface="Consolas" panose="020B0609020204030204" pitchFamily="49" charset="0"/>
-              <a:cs typeface="Consolas" panose="020B0609020204030204" pitchFamily="49" charset="0"/>
-            </a:endParaRPr>
-          </a:p>
-          <a:p>
-            <a:r>
-              <a:rPr lang="en-US" dirty="0">
-                <a:solidFill>
-                  <a:srgbClr val="0070C0"/>
-                </a:solidFill>
-                <a:latin typeface="Consolas" panose="020B0609020204030204" pitchFamily="49" charset="0"/>
-                <a:cs typeface="Consolas" panose="020B0609020204030204" pitchFamily="49" charset="0"/>
-              </a:rPr>
-              <a:t>public</a:t>
-            </a:r>
-          </a:p>
-          <a:p>
-            <a:r>
-              <a:rPr lang="en-US" dirty="0" err="1">
-                <a:solidFill>
-                  <a:srgbClr val="0070C0"/>
-                </a:solidFill>
-                <a:latin typeface="Consolas" panose="020B0609020204030204" pitchFamily="49" charset="0"/>
-                <a:cs typeface="Consolas" panose="020B0609020204030204" pitchFamily="49" charset="0"/>
-              </a:rPr>
-              <a:t>etc</a:t>
-            </a:r>
-            <a:r>
-              <a:rPr lang="en-US" dirty="0">
-                <a:solidFill>
-                  <a:srgbClr val="0070C0"/>
-                </a:solidFill>
-                <a:latin typeface="Consolas" panose="020B0609020204030204" pitchFamily="49" charset="0"/>
-                <a:cs typeface="Consolas" panose="020B0609020204030204" pitchFamily="49" charset="0"/>
-              </a:rPr>
-              <a:t>…</a:t>
-            </a:r>
-          </a:p>
-          <a:p>
-            <a:endParaRPr lang="en-US" dirty="0">
-              <a:solidFill>
-                <a:srgbClr val="0070C0"/>
-              </a:solidFill>
-              <a:latin typeface="Consolas" panose="020B0609020204030204" pitchFamily="49" charset="0"/>
-              <a:cs typeface="Consolas" panose="020B0609020204030204" pitchFamily="49" charset="0"/>
-            </a:endParaRPr>
-          </a:p>
-        </p:txBody>
-      </p:sp>
+      </p:pic>
     </p:spTree>
     <p:extLst>
       <p:ext uri="{BB962C8B-B14F-4D97-AF65-F5344CB8AC3E}">
-        <p14:creationId xmlns:p14="http://schemas.microsoft.com/office/powerpoint/2010/main" val="4117058643"/>
+        <p14:creationId xmlns:p14="http://schemas.microsoft.com/office/powerpoint/2010/main" val="736162285"/>
       </p:ext>
     </p:extLst>
   </p:cSld>
@@ -5277,17 +5417,284 @@
               <a:rPr lang="en-US" dirty="0">
                 <a:latin typeface="Arial Rounded MT Bold" panose="020F0704030504030204" pitchFamily="34" charset="77"/>
               </a:rPr>
-              <a:t>Security</a:t>
-            </a:r>
-          </a:p>
-        </p:txBody>
-      </p:sp>
-      <p:sp>
-        <p:nvSpPr>
-          <p:cNvPr id="3" name="Content Placeholder 2">
-            <a:extLst>
-              <a:ext uri="{FF2B5EF4-FFF2-40B4-BE49-F238E27FC236}">
-                <a16:creationId xmlns:a16="http://schemas.microsoft.com/office/drawing/2014/main" id="{6730C390-6F70-7140-8ED4-380A12160DE1}"/>
+              <a:t>Context Expressions</a:t>
+            </a:r>
+          </a:p>
+        </p:txBody>
+      </p:sp>
+      <p:sp>
+        <p:nvSpPr>
+          <p:cNvPr id="15" name="Rectangle 14">
+            <a:extLst>
+              <a:ext uri="{FF2B5EF4-FFF2-40B4-BE49-F238E27FC236}">
+                <a16:creationId xmlns:a16="http://schemas.microsoft.com/office/drawing/2014/main" id="{4F1AE19C-6176-7E45-B5B1-E9E326DCEE29}"/>
+              </a:ext>
+            </a:extLst>
+          </p:cNvPr>
+          <p:cNvSpPr/>
+          <p:nvPr/>
+        </p:nvSpPr>
+        <p:spPr>
+          <a:xfrm>
+            <a:off x="6096000" y="1825625"/>
+            <a:ext cx="5515392" cy="2523406"/>
+          </a:xfrm>
+          <a:prstGeom prst="rect">
+            <a:avLst/>
+          </a:prstGeom>
+          <a:solidFill>
+            <a:schemeClr val="bg1">
+              <a:lumMod val="95000"/>
+            </a:schemeClr>
+          </a:solidFill>
+          <a:ln>
+            <a:noFill/>
+          </a:ln>
+          <a:effectLst>
+            <a:outerShdw blurRad="90164" sx="101000" sy="101000" algn="ctr" rotWithShape="0">
+              <a:schemeClr val="accent3">
+                <a:lumMod val="60000"/>
+                <a:lumOff val="40000"/>
+              </a:schemeClr>
+            </a:outerShdw>
+          </a:effectLst>
+        </p:spPr>
+        <p:style>
+          <a:lnRef idx="2">
+            <a:schemeClr val="accent1">
+              <a:shade val="50000"/>
+            </a:schemeClr>
+          </a:lnRef>
+          <a:fillRef idx="1">
+            <a:schemeClr val="accent1"/>
+          </a:fillRef>
+          <a:effectRef idx="0">
+            <a:schemeClr val="accent1"/>
+          </a:effectRef>
+          <a:fontRef idx="minor">
+            <a:schemeClr val="lt1"/>
+          </a:fontRef>
+        </p:style>
+        <p:txBody>
+          <a:bodyPr rtlCol="0" anchor="ctr"/>
+          <a:lstStyle/>
+          <a:p>
+            <a:pPr algn="ctr"/>
+            <a:endParaRPr lang="en-US"/>
+          </a:p>
+        </p:txBody>
+      </p:sp>
+      <p:sp>
+        <p:nvSpPr>
+          <p:cNvPr id="12" name="Rectangle 11">
+            <a:extLst>
+              <a:ext uri="{FF2B5EF4-FFF2-40B4-BE49-F238E27FC236}">
+                <a16:creationId xmlns:a16="http://schemas.microsoft.com/office/drawing/2014/main" id="{B341DE3E-297C-2F48-9752-3DFAF89088C7}"/>
+              </a:ext>
+            </a:extLst>
+          </p:cNvPr>
+          <p:cNvSpPr/>
+          <p:nvPr/>
+        </p:nvSpPr>
+        <p:spPr>
+          <a:xfrm>
+            <a:off x="6456218" y="2040706"/>
+            <a:ext cx="4130707" cy="2308324"/>
+          </a:xfrm>
+          <a:prstGeom prst="rect">
+            <a:avLst/>
+          </a:prstGeom>
+        </p:spPr>
+        <p:txBody>
+          <a:bodyPr wrap="square">
+            <a:spAutoFit/>
+          </a:bodyPr>
+          <a:lstStyle/>
+          <a:p>
+            <a:r>
+              <a:rPr lang="en-US" sz="1200" b="1" dirty="0">
+                <a:solidFill>
+                  <a:srgbClr val="7030A0"/>
+                </a:solidFill>
+                <a:latin typeface="Consolas" panose="020B0609020204030204" pitchFamily="49" charset="0"/>
+                <a:cs typeface="Consolas" panose="020B0609020204030204" pitchFamily="49" charset="0"/>
+              </a:rPr>
+              <a:t>jobs:    </a:t>
+            </a:r>
+          </a:p>
+          <a:p>
+            <a:r>
+              <a:rPr lang="en-US" sz="1200" b="1" dirty="0">
+                <a:solidFill>
+                  <a:srgbClr val="7030A0"/>
+                </a:solidFill>
+                <a:latin typeface="Consolas" panose="020B0609020204030204" pitchFamily="49" charset="0"/>
+                <a:cs typeface="Consolas" panose="020B0609020204030204" pitchFamily="49" charset="0"/>
+              </a:rPr>
+              <a:t>  test:</a:t>
+            </a:r>
+          </a:p>
+          <a:p>
+            <a:r>
+              <a:rPr lang="en-US" sz="1200" b="1" dirty="0">
+                <a:solidFill>
+                  <a:srgbClr val="7030A0"/>
+                </a:solidFill>
+                <a:latin typeface="Consolas" panose="020B0609020204030204" pitchFamily="49" charset="0"/>
+                <a:cs typeface="Consolas" panose="020B0609020204030204" pitchFamily="49" charset="0"/>
+              </a:rPr>
+              <a:t>    if: </a:t>
+            </a:r>
+            <a:r>
+              <a:rPr lang="en-US" sz="1200" b="1" dirty="0">
+                <a:latin typeface="Consolas" panose="020B0609020204030204" pitchFamily="49" charset="0"/>
+                <a:cs typeface="Consolas" panose="020B0609020204030204" pitchFamily="49" charset="0"/>
+              </a:rPr>
+              <a:t>${{ success() }}    </a:t>
+            </a:r>
+          </a:p>
+          <a:p>
+            <a:r>
+              <a:rPr lang="en-US" sz="1200" b="1" dirty="0">
+                <a:solidFill>
+                  <a:srgbClr val="7030A0"/>
+                </a:solidFill>
+                <a:latin typeface="Consolas" panose="020B0609020204030204" pitchFamily="49" charset="0"/>
+                <a:cs typeface="Consolas" panose="020B0609020204030204" pitchFamily="49" charset="0"/>
+              </a:rPr>
+              <a:t>    </a:t>
+            </a:r>
+          </a:p>
+          <a:p>
+            <a:r>
+              <a:rPr lang="en-US" sz="1200" b="1" dirty="0">
+                <a:solidFill>
+                  <a:srgbClr val="7030A0"/>
+                </a:solidFill>
+                <a:latin typeface="Consolas" panose="020B0609020204030204" pitchFamily="49" charset="0"/>
+                <a:cs typeface="Consolas" panose="020B0609020204030204" pitchFamily="49" charset="0"/>
+              </a:rPr>
+              <a:t>    steps:</a:t>
+            </a:r>
+          </a:p>
+          <a:p>
+            <a:r>
+              <a:rPr lang="en-US" sz="1200" b="1" dirty="0">
+                <a:solidFill>
+                  <a:srgbClr val="7030A0"/>
+                </a:solidFill>
+                <a:latin typeface="Consolas" panose="020B0609020204030204" pitchFamily="49" charset="0"/>
+                <a:cs typeface="Consolas" panose="020B0609020204030204" pitchFamily="49" charset="0"/>
+              </a:rPr>
+              <a:t>    - uses: </a:t>
+            </a:r>
+            <a:r>
+              <a:rPr lang="en-US" sz="1200" b="1" dirty="0">
+                <a:latin typeface="Consolas" panose="020B0609020204030204" pitchFamily="49" charset="0"/>
+                <a:cs typeface="Consolas" panose="020B0609020204030204" pitchFamily="49" charset="0"/>
+              </a:rPr>
+              <a:t>actions/checkout@v2</a:t>
+            </a:r>
+          </a:p>
+          <a:p>
+            <a:r>
+              <a:rPr lang="en-US" sz="1200" b="1" dirty="0">
+                <a:latin typeface="Consolas" panose="020B0609020204030204" pitchFamily="49" charset="0"/>
+                <a:cs typeface="Consolas" panose="020B0609020204030204" pitchFamily="49" charset="0"/>
+              </a:rPr>
+              <a:t>      </a:t>
+            </a:r>
+          </a:p>
+          <a:p>
+            <a:r>
+              <a:rPr lang="en-US" sz="1200" b="1" dirty="0">
+                <a:solidFill>
+                  <a:srgbClr val="7030A0"/>
+                </a:solidFill>
+                <a:latin typeface="Consolas" panose="020B0609020204030204" pitchFamily="49" charset="0"/>
+                <a:cs typeface="Consolas" panose="020B0609020204030204" pitchFamily="49" charset="0"/>
+              </a:rPr>
+              <a:t>    - name: </a:t>
+            </a:r>
+            <a:r>
+              <a:rPr lang="en-US" sz="1200" b="1" dirty="0">
+                <a:latin typeface="Consolas" panose="020B0609020204030204" pitchFamily="49" charset="0"/>
+                <a:cs typeface="Consolas" panose="020B0609020204030204" pitchFamily="49" charset="0"/>
+              </a:rPr>
+              <a:t>Write Greeting</a:t>
+            </a:r>
+          </a:p>
+          <a:p>
+            <a:r>
+              <a:rPr lang="en-US" sz="1200" b="1" dirty="0">
+                <a:latin typeface="Consolas" panose="020B0609020204030204" pitchFamily="49" charset="0"/>
+                <a:cs typeface="Consolas" panose="020B0609020204030204" pitchFamily="49" charset="0"/>
+              </a:rPr>
+              <a:t>      </a:t>
+            </a:r>
+            <a:r>
+              <a:rPr lang="en-US" sz="1200" b="1" dirty="0">
+                <a:solidFill>
+                  <a:srgbClr val="7030A0"/>
+                </a:solidFill>
+                <a:latin typeface="Consolas" panose="020B0609020204030204" pitchFamily="49" charset="0"/>
+                <a:cs typeface="Consolas" panose="020B0609020204030204" pitchFamily="49" charset="0"/>
+              </a:rPr>
+              <a:t>shell: </a:t>
+            </a:r>
+            <a:r>
+              <a:rPr lang="en-US" sz="1200" b="1" dirty="0">
+                <a:latin typeface="Consolas" panose="020B0609020204030204" pitchFamily="49" charset="0"/>
+                <a:cs typeface="Consolas" panose="020B0609020204030204" pitchFamily="49" charset="0"/>
+              </a:rPr>
+              <a:t>bash</a:t>
+            </a:r>
+          </a:p>
+          <a:p>
+            <a:r>
+              <a:rPr lang="en-US" sz="1200" b="1" dirty="0">
+                <a:solidFill>
+                  <a:srgbClr val="7030A0"/>
+                </a:solidFill>
+                <a:latin typeface="Consolas" panose="020B0609020204030204" pitchFamily="49" charset="0"/>
+                <a:cs typeface="Consolas" panose="020B0609020204030204" pitchFamily="49" charset="0"/>
+              </a:rPr>
+              <a:t>      run: </a:t>
+            </a:r>
+            <a:r>
+              <a:rPr lang="en-US" sz="1200" b="1" dirty="0">
+                <a:latin typeface="Consolas" panose="020B0609020204030204" pitchFamily="49" charset="0"/>
+                <a:cs typeface="Consolas" panose="020B0609020204030204" pitchFamily="49" charset="0"/>
+              </a:rPr>
+              <a:t>|</a:t>
+            </a:r>
+          </a:p>
+          <a:p>
+            <a:r>
+              <a:rPr lang="en-US" sz="1200" b="1" dirty="0">
+                <a:latin typeface="Consolas" panose="020B0609020204030204" pitchFamily="49" charset="0"/>
+                <a:cs typeface="Consolas" panose="020B0609020204030204" pitchFamily="49" charset="0"/>
+              </a:rPr>
+              <a:t>        echo “Hello, World”</a:t>
+            </a:r>
+          </a:p>
+          <a:p>
+            <a:r>
+              <a:rPr lang="en-US" sz="1200" b="1" dirty="0">
+                <a:latin typeface="Consolas" panose="020B0609020204030204" pitchFamily="49" charset="0"/>
+                <a:cs typeface="Consolas" panose="020B0609020204030204" pitchFamily="49" charset="0"/>
+              </a:rPr>
+              <a:t>      </a:t>
+            </a:r>
+          </a:p>
+        </p:txBody>
+      </p:sp>
+      <p:sp>
+        <p:nvSpPr>
+          <p:cNvPr id="16" name="Content Placeholder 2">
+            <a:extLst>
+              <a:ext uri="{FF2B5EF4-FFF2-40B4-BE49-F238E27FC236}">
+                <a16:creationId xmlns:a16="http://schemas.microsoft.com/office/drawing/2014/main" id="{D9DDB6C4-919D-8A40-9E32-58C25AA0D318}"/>
               </a:ext>
             </a:extLst>
           </p:cNvPr>
@@ -5298,49 +5705,54 @@
             <p:ph idx="1"/>
           </p:nvPr>
         </p:nvSpPr>
-        <p:spPr/>
+        <p:spPr>
+          <a:xfrm>
+            <a:off x="838200" y="1825625"/>
+            <a:ext cx="5257800" cy="4351338"/>
+          </a:xfrm>
+        </p:spPr>
         <p:txBody>
           <a:bodyPr/>
           <a:lstStyle/>
           <a:p>
             <a:r>
               <a:rPr lang="en-US" dirty="0"/>
-              <a:t>Workflows</a:t>
+              <a:t>Access Workflow Context</a:t>
             </a:r>
           </a:p>
           <a:p>
             <a:r>
               <a:rPr lang="en-US" dirty="0"/>
-              <a:t>Event</a:t>
-            </a:r>
-          </a:p>
-          <a:p>
+              <a:t>Evaluate Expressions</a:t>
+            </a:r>
+          </a:p>
+          <a:p>
+            <a:pPr lvl="1"/>
             <a:r>
               <a:rPr lang="en-US" dirty="0"/>
-              <a:t>Jobs</a:t>
-            </a:r>
-          </a:p>
-          <a:p>
+              <a:t>Status Checks</a:t>
+            </a:r>
+          </a:p>
+          <a:p>
+            <a:pPr lvl="1"/>
             <a:r>
               <a:rPr lang="en-US" dirty="0"/>
-              <a:t>Steps</a:t>
-            </a:r>
-          </a:p>
-          <a:p>
+              <a:t>Filter on Outputs</a:t>
+            </a:r>
+          </a:p>
+          <a:p>
+            <a:pPr lvl="1"/>
             <a:r>
               <a:rPr lang="en-US" dirty="0"/>
-              <a:t>Actions</a:t>
-            </a:r>
-          </a:p>
-          <a:p>
-            <a:endParaRPr lang="en-US" dirty="0"/>
+              <a:t>More…</a:t>
+            </a:r>
           </a:p>
         </p:txBody>
       </p:sp>
     </p:spTree>
     <p:extLst>
       <p:ext uri="{BB962C8B-B14F-4D97-AF65-F5344CB8AC3E}">
-        <p14:creationId xmlns:p14="http://schemas.microsoft.com/office/powerpoint/2010/main" val="1439528518"/>
+        <p14:creationId xmlns:p14="http://schemas.microsoft.com/office/powerpoint/2010/main" val="4128814321"/>
       </p:ext>
     </p:extLst>
   </p:cSld>
@@ -5377,858 +5789,38 @@
       </p:grpSpPr>
       <p:sp>
         <p:nvSpPr>
-          <p:cNvPr id="4" name="Rectangle 3">
-            <a:extLst>
-              <a:ext uri="{FF2B5EF4-FFF2-40B4-BE49-F238E27FC236}">
-                <a16:creationId xmlns:a16="http://schemas.microsoft.com/office/drawing/2014/main" id="{7F55E671-5942-B84F-B223-A80D9DA3DD7B}"/>
-              </a:ext>
-            </a:extLst>
-          </p:cNvPr>
-          <p:cNvSpPr/>
-          <p:nvPr/>
-        </p:nvSpPr>
-        <p:spPr>
-          <a:xfrm>
-            <a:off x="0" y="0"/>
-            <a:ext cx="4899378" cy="6858000"/>
-          </a:xfrm>
-          <a:prstGeom prst="rect">
-            <a:avLst/>
-          </a:prstGeom>
-          <a:solidFill>
-            <a:schemeClr val="bg1">
-              <a:lumMod val="95000"/>
-            </a:schemeClr>
-          </a:solidFill>
-          <a:ln>
-            <a:noFill/>
-          </a:ln>
-          <a:effectLst/>
-        </p:spPr>
-        <p:style>
-          <a:lnRef idx="2">
-            <a:schemeClr val="accent1">
-              <a:shade val="50000"/>
-            </a:schemeClr>
-          </a:lnRef>
-          <a:fillRef idx="1">
-            <a:schemeClr val="accent1"/>
-          </a:fillRef>
-          <a:effectRef idx="0">
-            <a:schemeClr val="accent1"/>
-          </a:effectRef>
-          <a:fontRef idx="minor">
-            <a:schemeClr val="lt1"/>
-          </a:fontRef>
-        </p:style>
-        <p:txBody>
-          <a:bodyPr rtlCol="0" anchor="ctr"/>
-          <a:lstStyle/>
-          <a:p>
-            <a:pPr algn="ctr"/>
-            <a:endParaRPr lang="en-US"/>
-          </a:p>
-        </p:txBody>
-      </p:sp>
-      <p:sp>
-        <p:nvSpPr>
-          <p:cNvPr id="8" name="Rectangle 7">
-            <a:extLst>
-              <a:ext uri="{FF2B5EF4-FFF2-40B4-BE49-F238E27FC236}">
-                <a16:creationId xmlns:a16="http://schemas.microsoft.com/office/drawing/2014/main" id="{F2445F64-423F-8D4E-B635-1304AAAB52A5}"/>
-              </a:ext>
-            </a:extLst>
-          </p:cNvPr>
-          <p:cNvSpPr/>
-          <p:nvPr/>
-        </p:nvSpPr>
-        <p:spPr>
-          <a:xfrm>
-            <a:off x="598312" y="439720"/>
-            <a:ext cx="4109155" cy="5239896"/>
-          </a:xfrm>
-          <a:prstGeom prst="rect">
-            <a:avLst/>
-          </a:prstGeom>
-        </p:spPr>
-        <p:txBody>
-          <a:bodyPr wrap="square">
-            <a:spAutoFit/>
-          </a:bodyPr>
-          <a:lstStyle/>
-          <a:p>
-            <a:endParaRPr lang="en-US" sz="1200" dirty="0">
-              <a:latin typeface="Consolas" panose="020B0609020204030204" pitchFamily="49" charset="0"/>
-              <a:cs typeface="Consolas" panose="020B0609020204030204" pitchFamily="49" charset="0"/>
-            </a:endParaRPr>
-          </a:p>
-          <a:p>
-            <a:r>
-              <a:rPr lang="en-US" sz="1200" b="1" dirty="0">
-                <a:solidFill>
-                  <a:srgbClr val="7030A0"/>
-                </a:solidFill>
-                <a:latin typeface="Consolas" panose="020B0609020204030204" pitchFamily="49" charset="0"/>
-                <a:cs typeface="Consolas" panose="020B0609020204030204" pitchFamily="49" charset="0"/>
-              </a:rPr>
-              <a:t>name: </a:t>
-            </a:r>
-            <a:r>
-              <a:rPr lang="en-US" sz="1200" b="1" dirty="0">
-                <a:latin typeface="Consolas" panose="020B0609020204030204" pitchFamily="49" charset="0"/>
-                <a:cs typeface="Consolas" panose="020B0609020204030204" pitchFamily="49" charset="0"/>
-              </a:rPr>
-              <a:t>Hello World Workflow</a:t>
-            </a:r>
-          </a:p>
-          <a:p>
-            <a:endParaRPr lang="en-US" sz="1050" b="1" dirty="0">
-              <a:latin typeface="Consolas" panose="020B0609020204030204" pitchFamily="49" charset="0"/>
-              <a:cs typeface="Consolas" panose="020B0609020204030204" pitchFamily="49" charset="0"/>
-            </a:endParaRPr>
-          </a:p>
-          <a:p>
-            <a:r>
-              <a:rPr lang="en-US" sz="1200" b="1" dirty="0">
-                <a:solidFill>
-                  <a:srgbClr val="7030A0"/>
-                </a:solidFill>
-                <a:latin typeface="Consolas" panose="020B0609020204030204" pitchFamily="49" charset="0"/>
-                <a:cs typeface="Consolas" panose="020B0609020204030204" pitchFamily="49" charset="0"/>
-              </a:rPr>
-              <a:t>on:</a:t>
-            </a:r>
-          </a:p>
-          <a:p>
-            <a:r>
-              <a:rPr lang="en-US" sz="1200" b="1" dirty="0">
-                <a:solidFill>
-                  <a:srgbClr val="7030A0"/>
-                </a:solidFill>
-                <a:latin typeface="Consolas" panose="020B0609020204030204" pitchFamily="49" charset="0"/>
-                <a:cs typeface="Consolas" panose="020B0609020204030204" pitchFamily="49" charset="0"/>
-              </a:rPr>
-              <a:t>  schedule:</a:t>
-            </a:r>
-          </a:p>
-          <a:p>
-            <a:r>
-              <a:rPr lang="en-US" sz="1200" b="1" dirty="0">
-                <a:solidFill>
-                  <a:srgbClr val="7030A0"/>
-                </a:solidFill>
-                <a:latin typeface="Consolas" panose="020B0609020204030204" pitchFamily="49" charset="0"/>
-                <a:cs typeface="Consolas" panose="020B0609020204030204" pitchFamily="49" charset="0"/>
-              </a:rPr>
-              <a:t>  - </a:t>
-            </a:r>
-            <a:r>
-              <a:rPr lang="en-US" sz="1200" b="1" dirty="0" err="1">
-                <a:solidFill>
-                  <a:srgbClr val="7030A0"/>
-                </a:solidFill>
-                <a:latin typeface="Consolas" panose="020B0609020204030204" pitchFamily="49" charset="0"/>
-                <a:cs typeface="Consolas" panose="020B0609020204030204" pitchFamily="49" charset="0"/>
-              </a:rPr>
-              <a:t>cron</a:t>
-            </a:r>
-            <a:r>
-              <a:rPr lang="en-US" sz="1200" b="1" dirty="0">
-                <a:solidFill>
-                  <a:srgbClr val="7030A0"/>
-                </a:solidFill>
-                <a:latin typeface="Consolas" panose="020B0609020204030204" pitchFamily="49" charset="0"/>
-                <a:cs typeface="Consolas" panose="020B0609020204030204" pitchFamily="49" charset="0"/>
-              </a:rPr>
-              <a:t>: </a:t>
-            </a:r>
-            <a:r>
-              <a:rPr lang="en-US" sz="1200" b="1" dirty="0">
-                <a:latin typeface="Consolas" panose="020B0609020204030204" pitchFamily="49" charset="0"/>
-                <a:cs typeface="Consolas" panose="020B0609020204030204" pitchFamily="49" charset="0"/>
-              </a:rPr>
-              <a:t>'*/30 5,17 * * *'</a:t>
-            </a:r>
-          </a:p>
-          <a:p>
-            <a:endParaRPr lang="en-US" sz="1200" b="1" dirty="0">
-              <a:latin typeface="Consolas" panose="020B0609020204030204" pitchFamily="49" charset="0"/>
-              <a:cs typeface="Consolas" panose="020B0609020204030204" pitchFamily="49" charset="0"/>
-            </a:endParaRPr>
-          </a:p>
-          <a:p>
-            <a:r>
-              <a:rPr lang="en-US" sz="1200" b="1" dirty="0">
-                <a:solidFill>
-                  <a:srgbClr val="7030A0"/>
-                </a:solidFill>
-                <a:latin typeface="Consolas" panose="020B0609020204030204" pitchFamily="49" charset="0"/>
-                <a:cs typeface="Consolas" panose="020B0609020204030204" pitchFamily="49" charset="0"/>
-              </a:rPr>
-              <a:t>jobs:</a:t>
-            </a:r>
-          </a:p>
-          <a:p>
-            <a:r>
-              <a:rPr lang="en-US" sz="1200" b="1" dirty="0">
-                <a:solidFill>
-                  <a:srgbClr val="7030A0"/>
-                </a:solidFill>
-                <a:latin typeface="Consolas" panose="020B0609020204030204" pitchFamily="49" charset="0"/>
-                <a:cs typeface="Consolas" panose="020B0609020204030204" pitchFamily="49" charset="0"/>
-              </a:rPr>
-              <a:t>  build:</a:t>
-            </a:r>
-          </a:p>
-          <a:p>
-            <a:r>
-              <a:rPr lang="en-US" sz="1200" b="1" dirty="0">
-                <a:latin typeface="Consolas" panose="020B0609020204030204" pitchFamily="49" charset="0"/>
-                <a:cs typeface="Consolas" panose="020B0609020204030204" pitchFamily="49" charset="0"/>
-              </a:rPr>
-              <a:t>    </a:t>
-            </a:r>
-            <a:r>
-              <a:rPr lang="en-US" sz="1200" b="1" dirty="0">
-                <a:solidFill>
-                  <a:srgbClr val="7030A0"/>
-                </a:solidFill>
-                <a:latin typeface="Consolas" panose="020B0609020204030204" pitchFamily="49" charset="0"/>
-                <a:cs typeface="Consolas" panose="020B0609020204030204" pitchFamily="49" charset="0"/>
-              </a:rPr>
-              <a:t>runs-on: </a:t>
-            </a:r>
-            <a:r>
-              <a:rPr lang="en-US" sz="1200" b="1" dirty="0">
-                <a:latin typeface="Consolas" panose="020B0609020204030204" pitchFamily="49" charset="0"/>
-                <a:cs typeface="Consolas" panose="020B0609020204030204" pitchFamily="49" charset="0"/>
-              </a:rPr>
-              <a:t>ubuntu-latest</a:t>
-            </a:r>
-          </a:p>
-          <a:p>
-            <a:endParaRPr lang="en-US" sz="1200" b="1" dirty="0">
-              <a:latin typeface="Consolas" panose="020B0609020204030204" pitchFamily="49" charset="0"/>
-              <a:cs typeface="Consolas" panose="020B0609020204030204" pitchFamily="49" charset="0"/>
-            </a:endParaRPr>
-          </a:p>
-          <a:p>
-            <a:r>
-              <a:rPr lang="en-US" sz="1200" b="1" dirty="0">
-                <a:solidFill>
-                  <a:srgbClr val="7030A0"/>
-                </a:solidFill>
-                <a:latin typeface="Consolas" panose="020B0609020204030204" pitchFamily="49" charset="0"/>
-                <a:cs typeface="Consolas" panose="020B0609020204030204" pitchFamily="49" charset="0"/>
-              </a:rPr>
-              <a:t>    steps:</a:t>
-            </a:r>
-          </a:p>
-          <a:p>
-            <a:r>
-              <a:rPr lang="en-US" sz="1200" b="1" dirty="0">
-                <a:solidFill>
-                  <a:srgbClr val="7030A0"/>
-                </a:solidFill>
-                <a:latin typeface="Consolas" panose="020B0609020204030204" pitchFamily="49" charset="0"/>
-                <a:cs typeface="Consolas" panose="020B0609020204030204" pitchFamily="49" charset="0"/>
-              </a:rPr>
-              <a:t>      - uses: </a:t>
-            </a:r>
-            <a:r>
-              <a:rPr lang="en-US" sz="1200" b="1" dirty="0">
-                <a:latin typeface="Consolas" panose="020B0609020204030204" pitchFamily="49" charset="0"/>
-                <a:cs typeface="Consolas" panose="020B0609020204030204" pitchFamily="49" charset="0"/>
-              </a:rPr>
-              <a:t>actions/checkout@v2</a:t>
-            </a:r>
-          </a:p>
-          <a:p>
-            <a:endParaRPr lang="en-US" sz="1200" b="1" dirty="0">
-              <a:latin typeface="Consolas" panose="020B0609020204030204" pitchFamily="49" charset="0"/>
-              <a:cs typeface="Consolas" panose="020B0609020204030204" pitchFamily="49" charset="0"/>
-            </a:endParaRPr>
-          </a:p>
-          <a:p>
-            <a:r>
-              <a:rPr lang="en-US" sz="1200" b="1" dirty="0">
-                <a:solidFill>
-                  <a:srgbClr val="7030A0"/>
-                </a:solidFill>
-                <a:latin typeface="Consolas" panose="020B0609020204030204" pitchFamily="49" charset="0"/>
-                <a:cs typeface="Consolas" panose="020B0609020204030204" pitchFamily="49" charset="0"/>
-              </a:rPr>
-              <a:t>      - name: </a:t>
-            </a:r>
-            <a:r>
-              <a:rPr lang="en-US" sz="1200" b="1" dirty="0">
-                <a:latin typeface="Consolas" panose="020B0609020204030204" pitchFamily="49" charset="0"/>
-                <a:cs typeface="Consolas" panose="020B0609020204030204" pitchFamily="49" charset="0"/>
-              </a:rPr>
-              <a:t>Single Command</a:t>
-            </a:r>
-          </a:p>
-          <a:p>
-            <a:r>
-              <a:rPr lang="en-US" sz="1200" b="1" dirty="0">
-                <a:solidFill>
-                  <a:srgbClr val="7030A0"/>
-                </a:solidFill>
-                <a:latin typeface="Consolas" panose="020B0609020204030204" pitchFamily="49" charset="0"/>
-                <a:cs typeface="Consolas" panose="020B0609020204030204" pitchFamily="49" charset="0"/>
-              </a:rPr>
-              <a:t>        run: </a:t>
-            </a:r>
-            <a:r>
-              <a:rPr lang="en-US" sz="1200" b="1" dirty="0">
-                <a:latin typeface="Consolas" panose="020B0609020204030204" pitchFamily="49" charset="0"/>
-                <a:cs typeface="Consolas" panose="020B0609020204030204" pitchFamily="49" charset="0"/>
-              </a:rPr>
-              <a:t>echo Hello, world!</a:t>
-            </a:r>
-          </a:p>
-          <a:p>
-            <a:r>
-              <a:rPr lang="en-US" sz="1200" b="1" dirty="0">
-                <a:latin typeface="Consolas" panose="020B0609020204030204" pitchFamily="49" charset="0"/>
-                <a:cs typeface="Consolas" panose="020B0609020204030204" pitchFamily="49" charset="0"/>
-              </a:rPr>
-              <a:t>      </a:t>
-            </a:r>
-          </a:p>
-          <a:p>
-            <a:r>
-              <a:rPr lang="en-US" sz="1200" b="1" dirty="0">
-                <a:solidFill>
-                  <a:srgbClr val="7030A0"/>
-                </a:solidFill>
-                <a:latin typeface="Consolas" panose="020B0609020204030204" pitchFamily="49" charset="0"/>
-                <a:cs typeface="Consolas" panose="020B0609020204030204" pitchFamily="49" charset="0"/>
-              </a:rPr>
-              <a:t>      - name: </a:t>
-            </a:r>
-            <a:r>
-              <a:rPr lang="en-US" sz="1200" b="1" dirty="0">
-                <a:latin typeface="Consolas" panose="020B0609020204030204" pitchFamily="49" charset="0"/>
-                <a:cs typeface="Consolas" panose="020B0609020204030204" pitchFamily="49" charset="0"/>
-              </a:rPr>
-              <a:t>Create File</a:t>
-            </a:r>
-          </a:p>
-          <a:p>
-            <a:r>
-              <a:rPr lang="en-US" sz="1200" b="1" dirty="0">
-                <a:latin typeface="Consolas" panose="020B0609020204030204" pitchFamily="49" charset="0"/>
-                <a:cs typeface="Consolas" panose="020B0609020204030204" pitchFamily="49" charset="0"/>
-              </a:rPr>
-              <a:t>        run: |</a:t>
-            </a:r>
-          </a:p>
-          <a:p>
-            <a:r>
-              <a:rPr lang="en-US" sz="1200" b="1" dirty="0">
-                <a:latin typeface="Consolas" panose="020B0609020204030204" pitchFamily="49" charset="0"/>
-                <a:cs typeface="Consolas" panose="020B0609020204030204" pitchFamily="49" charset="0"/>
-              </a:rPr>
-              <a:t>          touch </a:t>
-            </a:r>
-            <a:r>
-              <a:rPr lang="en-US" sz="1200" b="1" dirty="0" err="1">
-                <a:latin typeface="Consolas" panose="020B0609020204030204" pitchFamily="49" charset="0"/>
-                <a:cs typeface="Consolas" panose="020B0609020204030204" pitchFamily="49" charset="0"/>
-              </a:rPr>
-              <a:t>greeting.txt</a:t>
-            </a:r>
-            <a:endParaRPr lang="en-US" sz="1200" b="1" dirty="0">
-              <a:latin typeface="Consolas" panose="020B0609020204030204" pitchFamily="49" charset="0"/>
-              <a:cs typeface="Consolas" panose="020B0609020204030204" pitchFamily="49" charset="0"/>
-            </a:endParaRPr>
-          </a:p>
-          <a:p>
-            <a:r>
-              <a:rPr lang="en-US" sz="1200" b="1" dirty="0">
-                <a:latin typeface="Consolas" panose="020B0609020204030204" pitchFamily="49" charset="0"/>
-                <a:cs typeface="Consolas" panose="020B0609020204030204" pitchFamily="49" charset="0"/>
-              </a:rPr>
-              <a:t>          cat &gt;&gt; </a:t>
-            </a:r>
-            <a:r>
-              <a:rPr lang="en-US" sz="1200" b="1" dirty="0" err="1">
-                <a:latin typeface="Consolas" panose="020B0609020204030204" pitchFamily="49" charset="0"/>
-                <a:cs typeface="Consolas" panose="020B0609020204030204" pitchFamily="49" charset="0"/>
-              </a:rPr>
-              <a:t>greeting.txt</a:t>
-            </a:r>
-            <a:r>
-              <a:rPr lang="en-US" sz="1200" b="1" dirty="0">
-                <a:latin typeface="Consolas" panose="020B0609020204030204" pitchFamily="49" charset="0"/>
-                <a:cs typeface="Consolas" panose="020B0609020204030204" pitchFamily="49" charset="0"/>
-              </a:rPr>
-              <a:t> &lt;&lt;EOL</a:t>
-            </a:r>
-          </a:p>
-          <a:p>
-            <a:r>
-              <a:rPr lang="en-US" sz="1200" b="1" dirty="0">
-                <a:latin typeface="Consolas" panose="020B0609020204030204" pitchFamily="49" charset="0"/>
-                <a:cs typeface="Consolas" panose="020B0609020204030204" pitchFamily="49" charset="0"/>
-              </a:rPr>
-              <a:t>          Hello World</a:t>
-            </a:r>
-          </a:p>
-          <a:p>
-            <a:r>
-              <a:rPr lang="en-US" sz="1200" b="1" dirty="0">
-                <a:latin typeface="Consolas" panose="020B0609020204030204" pitchFamily="49" charset="0"/>
-                <a:cs typeface="Consolas" panose="020B0609020204030204" pitchFamily="49" charset="0"/>
-              </a:rPr>
-              <a:t>          EOL</a:t>
-            </a:r>
-          </a:p>
-          <a:p>
-            <a:r>
-              <a:rPr lang="en-US" sz="1200" b="1" dirty="0">
-                <a:latin typeface="Consolas" panose="020B0609020204030204" pitchFamily="49" charset="0"/>
-                <a:cs typeface="Consolas" panose="020B0609020204030204" pitchFamily="49" charset="0"/>
-              </a:rPr>
-              <a:t>      </a:t>
-            </a:r>
-          </a:p>
-          <a:p>
-            <a:r>
-              <a:rPr lang="en-US" sz="1200" b="1" dirty="0">
-                <a:solidFill>
-                  <a:srgbClr val="7030A0"/>
-                </a:solidFill>
-                <a:latin typeface="Consolas" panose="020B0609020204030204" pitchFamily="49" charset="0"/>
-                <a:cs typeface="Consolas" panose="020B0609020204030204" pitchFamily="49" charset="0"/>
-              </a:rPr>
-              <a:t>      - uses: </a:t>
-            </a:r>
-            <a:r>
-              <a:rPr lang="en-US" sz="1200" b="1" dirty="0">
-                <a:latin typeface="Consolas" panose="020B0609020204030204" pitchFamily="49" charset="0"/>
-                <a:cs typeface="Consolas" panose="020B0609020204030204" pitchFamily="49" charset="0"/>
-              </a:rPr>
-              <a:t>actions/upload-artifact@v2</a:t>
-            </a:r>
-          </a:p>
-          <a:p>
-            <a:r>
-              <a:rPr lang="en-US" sz="1200" b="1" dirty="0">
-                <a:solidFill>
-                  <a:srgbClr val="7030A0"/>
-                </a:solidFill>
-                <a:latin typeface="Consolas" panose="020B0609020204030204" pitchFamily="49" charset="0"/>
-                <a:cs typeface="Consolas" panose="020B0609020204030204" pitchFamily="49" charset="0"/>
-              </a:rPr>
-              <a:t>        with:</a:t>
-            </a:r>
-          </a:p>
-          <a:p>
-            <a:r>
-              <a:rPr lang="en-US" sz="1200" b="1" dirty="0">
-                <a:solidFill>
-                  <a:srgbClr val="7030A0"/>
-                </a:solidFill>
-                <a:latin typeface="Consolas" panose="020B0609020204030204" pitchFamily="49" charset="0"/>
-                <a:cs typeface="Consolas" panose="020B0609020204030204" pitchFamily="49" charset="0"/>
-              </a:rPr>
-              <a:t>          name: </a:t>
-            </a:r>
-            <a:r>
-              <a:rPr lang="en-US" sz="1200" b="1" dirty="0">
-                <a:latin typeface="Consolas" panose="020B0609020204030204" pitchFamily="49" charset="0"/>
-                <a:cs typeface="Consolas" panose="020B0609020204030204" pitchFamily="49" charset="0"/>
-              </a:rPr>
-              <a:t>"Greeting File"</a:t>
-            </a:r>
-          </a:p>
-          <a:p>
-            <a:r>
-              <a:rPr lang="en-US" sz="1200" b="1" dirty="0">
-                <a:solidFill>
-                  <a:srgbClr val="7030A0"/>
-                </a:solidFill>
-                <a:latin typeface="Consolas" panose="020B0609020204030204" pitchFamily="49" charset="0"/>
-                <a:cs typeface="Consolas" panose="020B0609020204030204" pitchFamily="49" charset="0"/>
-              </a:rPr>
-              <a:t>          path: </a:t>
-            </a:r>
-            <a:r>
-              <a:rPr lang="en-US" sz="1200" b="1" dirty="0" err="1">
-                <a:latin typeface="Consolas" panose="020B0609020204030204" pitchFamily="49" charset="0"/>
-                <a:cs typeface="Consolas" panose="020B0609020204030204" pitchFamily="49" charset="0"/>
-              </a:rPr>
-              <a:t>greeting.txt</a:t>
-            </a:r>
-            <a:endParaRPr lang="en-US" sz="1200" b="1" dirty="0">
-              <a:latin typeface="Consolas" panose="020B0609020204030204" pitchFamily="49" charset="0"/>
-              <a:cs typeface="Consolas" panose="020B0609020204030204" pitchFamily="49" charset="0"/>
-            </a:endParaRPr>
-          </a:p>
-        </p:txBody>
-      </p:sp>
-      <p:sp>
-        <p:nvSpPr>
-          <p:cNvPr id="35" name="Rectangle 34">
-            <a:extLst>
-              <a:ext uri="{FF2B5EF4-FFF2-40B4-BE49-F238E27FC236}">
-                <a16:creationId xmlns:a16="http://schemas.microsoft.com/office/drawing/2014/main" id="{FC030212-960C-3F41-BACE-DEC65BEDB856}"/>
-              </a:ext>
-            </a:extLst>
-          </p:cNvPr>
-          <p:cNvSpPr/>
-          <p:nvPr/>
-        </p:nvSpPr>
-        <p:spPr>
-          <a:xfrm>
-            <a:off x="5366841" y="568097"/>
-            <a:ext cx="1883593" cy="369332"/>
-          </a:xfrm>
-          <a:prstGeom prst="rect">
-            <a:avLst/>
-          </a:prstGeom>
-        </p:spPr>
-        <p:txBody>
-          <a:bodyPr wrap="none">
-            <a:spAutoFit/>
-          </a:bodyPr>
+          <p:cNvPr id="2" name="Title 1">
+            <a:extLst>
+              <a:ext uri="{FF2B5EF4-FFF2-40B4-BE49-F238E27FC236}">
+                <a16:creationId xmlns:a16="http://schemas.microsoft.com/office/drawing/2014/main" id="{82E15F1B-9508-1140-AD6E-8CA6C1A7AC6F}"/>
+              </a:ext>
+            </a:extLst>
+          </p:cNvPr>
+          <p:cNvSpPr>
+            <a:spLocks noGrp="1"/>
+          </p:cNvSpPr>
+          <p:nvPr>
+            <p:ph type="ctrTitle"/>
+          </p:nvPr>
+        </p:nvSpPr>
+        <p:spPr/>
+        <p:txBody>
+          <a:bodyPr/>
           <a:lstStyle/>
           <a:p>
             <a:r>
               <a:rPr lang="en-US" dirty="0">
                 <a:latin typeface="Arial Rounded MT Bold" panose="020F0704030504030204" pitchFamily="34" charset="77"/>
               </a:rPr>
-              <a:t>Event Triggers:</a:t>
-            </a:r>
-            <a:endParaRPr lang="en-US" dirty="0"/>
-          </a:p>
-        </p:txBody>
-      </p:sp>
-      <p:sp>
-        <p:nvSpPr>
-          <p:cNvPr id="40" name="Rectangle 39">
-            <a:extLst>
-              <a:ext uri="{FF2B5EF4-FFF2-40B4-BE49-F238E27FC236}">
-                <a16:creationId xmlns:a16="http://schemas.microsoft.com/office/drawing/2014/main" id="{AFB9D8BA-DB5E-224A-8F52-12ACC83E8793}"/>
-              </a:ext>
-            </a:extLst>
-          </p:cNvPr>
-          <p:cNvSpPr/>
-          <p:nvPr/>
-        </p:nvSpPr>
-        <p:spPr>
-          <a:xfrm>
-            <a:off x="7440742" y="568097"/>
-            <a:ext cx="2337499" cy="5355312"/>
-          </a:xfrm>
-          <a:prstGeom prst="rect">
-            <a:avLst/>
-          </a:prstGeom>
-        </p:spPr>
-        <p:txBody>
-          <a:bodyPr wrap="none">
-            <a:spAutoFit/>
-          </a:bodyPr>
-          <a:lstStyle/>
-          <a:p>
-            <a:r>
-              <a:rPr lang="en-US" dirty="0" err="1">
-                <a:solidFill>
-                  <a:srgbClr val="0070C0"/>
-                </a:solidFill>
-                <a:latin typeface="Consolas" panose="020B0609020204030204" pitchFamily="49" charset="0"/>
-                <a:cs typeface="Consolas" panose="020B0609020204030204" pitchFamily="49" charset="0"/>
-              </a:rPr>
-              <a:t>check_run</a:t>
-            </a:r>
-            <a:endParaRPr lang="en-US" dirty="0">
-              <a:solidFill>
-                <a:srgbClr val="0070C0"/>
-              </a:solidFill>
-              <a:latin typeface="Consolas" panose="020B0609020204030204" pitchFamily="49" charset="0"/>
-              <a:cs typeface="Consolas" panose="020B0609020204030204" pitchFamily="49" charset="0"/>
-            </a:endParaRPr>
-          </a:p>
-          <a:p>
-            <a:r>
-              <a:rPr lang="en-US" dirty="0" err="1">
-                <a:solidFill>
-                  <a:srgbClr val="0070C0"/>
-                </a:solidFill>
-                <a:latin typeface="Consolas" panose="020B0609020204030204" pitchFamily="49" charset="0"/>
-                <a:cs typeface="Consolas" panose="020B0609020204030204" pitchFamily="49" charset="0"/>
-              </a:rPr>
-              <a:t>check_suite</a:t>
-            </a:r>
-            <a:endParaRPr lang="en-US" dirty="0">
-              <a:solidFill>
-                <a:srgbClr val="0070C0"/>
-              </a:solidFill>
-              <a:latin typeface="Consolas" panose="020B0609020204030204" pitchFamily="49" charset="0"/>
-              <a:cs typeface="Consolas" panose="020B0609020204030204" pitchFamily="49" charset="0"/>
-            </a:endParaRPr>
-          </a:p>
-          <a:p>
-            <a:r>
-              <a:rPr lang="en-US" dirty="0">
-                <a:solidFill>
-                  <a:srgbClr val="0070C0"/>
-                </a:solidFill>
-                <a:latin typeface="Consolas" panose="020B0609020204030204" pitchFamily="49" charset="0"/>
-                <a:cs typeface="Consolas" panose="020B0609020204030204" pitchFamily="49" charset="0"/>
-              </a:rPr>
-              <a:t>create</a:t>
-            </a:r>
-          </a:p>
-          <a:p>
-            <a:r>
-              <a:rPr lang="en-US" dirty="0">
-                <a:solidFill>
-                  <a:srgbClr val="0070C0"/>
-                </a:solidFill>
-                <a:latin typeface="Consolas" panose="020B0609020204030204" pitchFamily="49" charset="0"/>
-                <a:cs typeface="Consolas" panose="020B0609020204030204" pitchFamily="49" charset="0"/>
-              </a:rPr>
-              <a:t>delete</a:t>
-            </a:r>
-          </a:p>
-          <a:p>
-            <a:r>
-              <a:rPr lang="en-US" dirty="0">
-                <a:solidFill>
-                  <a:srgbClr val="0070C0"/>
-                </a:solidFill>
-                <a:latin typeface="Consolas" panose="020B0609020204030204" pitchFamily="49" charset="0"/>
-                <a:cs typeface="Consolas" panose="020B0609020204030204" pitchFamily="49" charset="0"/>
-              </a:rPr>
-              <a:t>deployment</a:t>
-            </a:r>
-          </a:p>
-          <a:p>
-            <a:r>
-              <a:rPr lang="en-US" dirty="0" err="1">
-                <a:solidFill>
-                  <a:srgbClr val="0070C0"/>
-                </a:solidFill>
-                <a:latin typeface="Consolas" panose="020B0609020204030204" pitchFamily="49" charset="0"/>
-                <a:cs typeface="Consolas" panose="020B0609020204030204" pitchFamily="49" charset="0"/>
-              </a:rPr>
-              <a:t>deployment_status</a:t>
-            </a:r>
-            <a:endParaRPr lang="en-US" dirty="0">
-              <a:solidFill>
-                <a:srgbClr val="0070C0"/>
-              </a:solidFill>
-              <a:latin typeface="Consolas" panose="020B0609020204030204" pitchFamily="49" charset="0"/>
-              <a:cs typeface="Consolas" panose="020B0609020204030204" pitchFamily="49" charset="0"/>
-            </a:endParaRPr>
-          </a:p>
-          <a:p>
-            <a:r>
-              <a:rPr lang="en-US" dirty="0">
-                <a:solidFill>
-                  <a:srgbClr val="0070C0"/>
-                </a:solidFill>
-                <a:latin typeface="Consolas" panose="020B0609020204030204" pitchFamily="49" charset="0"/>
-                <a:cs typeface="Consolas" panose="020B0609020204030204" pitchFamily="49" charset="0"/>
-              </a:rPr>
-              <a:t>fork</a:t>
-            </a:r>
-          </a:p>
-          <a:p>
-            <a:r>
-              <a:rPr lang="en-US" dirty="0" err="1">
-                <a:solidFill>
-                  <a:srgbClr val="0070C0"/>
-                </a:solidFill>
-                <a:latin typeface="Consolas" panose="020B0609020204030204" pitchFamily="49" charset="0"/>
-                <a:cs typeface="Consolas" panose="020B0609020204030204" pitchFamily="49" charset="0"/>
-              </a:rPr>
-              <a:t>gollum</a:t>
-            </a:r>
-            <a:endParaRPr lang="en-US" dirty="0">
-              <a:solidFill>
-                <a:srgbClr val="0070C0"/>
-              </a:solidFill>
-              <a:latin typeface="Consolas" panose="020B0609020204030204" pitchFamily="49" charset="0"/>
-              <a:cs typeface="Consolas" panose="020B0609020204030204" pitchFamily="49" charset="0"/>
-            </a:endParaRPr>
-          </a:p>
-          <a:p>
-            <a:r>
-              <a:rPr lang="en-US" dirty="0" err="1">
-                <a:solidFill>
-                  <a:srgbClr val="0070C0"/>
-                </a:solidFill>
-                <a:latin typeface="Consolas" panose="020B0609020204030204" pitchFamily="49" charset="0"/>
-                <a:cs typeface="Consolas" panose="020B0609020204030204" pitchFamily="49" charset="0"/>
-              </a:rPr>
-              <a:t>issue_comment</a:t>
-            </a:r>
-            <a:endParaRPr lang="en-US" dirty="0">
-              <a:solidFill>
-                <a:srgbClr val="0070C0"/>
-              </a:solidFill>
-              <a:latin typeface="Consolas" panose="020B0609020204030204" pitchFamily="49" charset="0"/>
-              <a:cs typeface="Consolas" panose="020B0609020204030204" pitchFamily="49" charset="0"/>
-            </a:endParaRPr>
-          </a:p>
-          <a:p>
-            <a:r>
-              <a:rPr lang="en-US" dirty="0">
-                <a:solidFill>
-                  <a:srgbClr val="0070C0"/>
-                </a:solidFill>
-                <a:latin typeface="Consolas" panose="020B0609020204030204" pitchFamily="49" charset="0"/>
-                <a:cs typeface="Consolas" panose="020B0609020204030204" pitchFamily="49" charset="0"/>
-              </a:rPr>
-              <a:t>issues</a:t>
-            </a:r>
-          </a:p>
-          <a:p>
-            <a:r>
-              <a:rPr lang="en-US" dirty="0">
-                <a:solidFill>
-                  <a:srgbClr val="0070C0"/>
-                </a:solidFill>
-                <a:latin typeface="Consolas" panose="020B0609020204030204" pitchFamily="49" charset="0"/>
-                <a:cs typeface="Consolas" panose="020B0609020204030204" pitchFamily="49" charset="0"/>
-              </a:rPr>
-              <a:t>label</a:t>
-            </a:r>
-          </a:p>
-          <a:p>
-            <a:r>
-              <a:rPr lang="en-US" dirty="0">
-                <a:solidFill>
-                  <a:srgbClr val="0070C0"/>
-                </a:solidFill>
-                <a:latin typeface="Consolas" panose="020B0609020204030204" pitchFamily="49" charset="0"/>
-                <a:cs typeface="Consolas" panose="020B0609020204030204" pitchFamily="49" charset="0"/>
-              </a:rPr>
-              <a:t>milestone</a:t>
-            </a:r>
-          </a:p>
-          <a:p>
-            <a:r>
-              <a:rPr lang="en-US" dirty="0" err="1">
-                <a:solidFill>
-                  <a:srgbClr val="0070C0"/>
-                </a:solidFill>
-                <a:latin typeface="Consolas" panose="020B0609020204030204" pitchFamily="49" charset="0"/>
-                <a:cs typeface="Consolas" panose="020B0609020204030204" pitchFamily="49" charset="0"/>
-              </a:rPr>
-              <a:t>page_build</a:t>
-            </a:r>
-            <a:endParaRPr lang="en-US" dirty="0">
-              <a:solidFill>
-                <a:srgbClr val="0070C0"/>
-              </a:solidFill>
-              <a:latin typeface="Consolas" panose="020B0609020204030204" pitchFamily="49" charset="0"/>
-              <a:cs typeface="Consolas" panose="020B0609020204030204" pitchFamily="49" charset="0"/>
-            </a:endParaRPr>
-          </a:p>
-          <a:p>
-            <a:r>
-              <a:rPr lang="en-US" dirty="0">
-                <a:solidFill>
-                  <a:srgbClr val="0070C0"/>
-                </a:solidFill>
-                <a:latin typeface="Consolas" panose="020B0609020204030204" pitchFamily="49" charset="0"/>
-                <a:cs typeface="Consolas" panose="020B0609020204030204" pitchFamily="49" charset="0"/>
-              </a:rPr>
-              <a:t>project</a:t>
-            </a:r>
-          </a:p>
-          <a:p>
-            <a:r>
-              <a:rPr lang="en-US" dirty="0" err="1">
-                <a:solidFill>
-                  <a:srgbClr val="0070C0"/>
-                </a:solidFill>
-                <a:latin typeface="Consolas" panose="020B0609020204030204" pitchFamily="49" charset="0"/>
-                <a:cs typeface="Consolas" panose="020B0609020204030204" pitchFamily="49" charset="0"/>
-              </a:rPr>
-              <a:t>project_card</a:t>
-            </a:r>
-            <a:endParaRPr lang="en-US" dirty="0">
-              <a:solidFill>
-                <a:srgbClr val="0070C0"/>
-              </a:solidFill>
-              <a:latin typeface="Consolas" panose="020B0609020204030204" pitchFamily="49" charset="0"/>
-              <a:cs typeface="Consolas" panose="020B0609020204030204" pitchFamily="49" charset="0"/>
-            </a:endParaRPr>
-          </a:p>
-          <a:p>
-            <a:r>
-              <a:rPr lang="en-US" dirty="0" err="1">
-                <a:solidFill>
-                  <a:srgbClr val="0070C0"/>
-                </a:solidFill>
-                <a:latin typeface="Consolas" panose="020B0609020204030204" pitchFamily="49" charset="0"/>
-                <a:cs typeface="Consolas" panose="020B0609020204030204" pitchFamily="49" charset="0"/>
-              </a:rPr>
-              <a:t>project_column</a:t>
-            </a:r>
-            <a:endParaRPr lang="en-US" dirty="0">
-              <a:solidFill>
-                <a:srgbClr val="0070C0"/>
-              </a:solidFill>
-              <a:latin typeface="Consolas" panose="020B0609020204030204" pitchFamily="49" charset="0"/>
-              <a:cs typeface="Consolas" panose="020B0609020204030204" pitchFamily="49" charset="0"/>
-            </a:endParaRPr>
-          </a:p>
-          <a:p>
-            <a:r>
-              <a:rPr lang="en-US" dirty="0">
-                <a:solidFill>
-                  <a:srgbClr val="0070C0"/>
-                </a:solidFill>
-                <a:latin typeface="Consolas" panose="020B0609020204030204" pitchFamily="49" charset="0"/>
-                <a:cs typeface="Consolas" panose="020B0609020204030204" pitchFamily="49" charset="0"/>
-              </a:rPr>
-              <a:t>public</a:t>
-            </a:r>
-          </a:p>
-          <a:p>
-            <a:r>
-              <a:rPr lang="en-US" dirty="0" err="1">
-                <a:solidFill>
-                  <a:srgbClr val="0070C0"/>
-                </a:solidFill>
-                <a:latin typeface="Consolas" panose="020B0609020204030204" pitchFamily="49" charset="0"/>
-                <a:cs typeface="Consolas" panose="020B0609020204030204" pitchFamily="49" charset="0"/>
-              </a:rPr>
-              <a:t>etc</a:t>
-            </a:r>
-            <a:r>
-              <a:rPr lang="en-US" dirty="0">
-                <a:solidFill>
-                  <a:srgbClr val="0070C0"/>
-                </a:solidFill>
-                <a:latin typeface="Consolas" panose="020B0609020204030204" pitchFamily="49" charset="0"/>
-                <a:cs typeface="Consolas" panose="020B0609020204030204" pitchFamily="49" charset="0"/>
-              </a:rPr>
-              <a:t>…</a:t>
-            </a:r>
-          </a:p>
-          <a:p>
-            <a:endParaRPr lang="en-US" dirty="0">
-              <a:solidFill>
-                <a:srgbClr val="0070C0"/>
-              </a:solidFill>
-              <a:latin typeface="Consolas" panose="020B0609020204030204" pitchFamily="49" charset="0"/>
-              <a:cs typeface="Consolas" panose="020B0609020204030204" pitchFamily="49" charset="0"/>
-            </a:endParaRPr>
+              <a:t>Examples</a:t>
+            </a:r>
           </a:p>
         </p:txBody>
       </p:sp>
     </p:spTree>
     <p:extLst>
       <p:ext uri="{BB962C8B-B14F-4D97-AF65-F5344CB8AC3E}">
-        <p14:creationId xmlns:p14="http://schemas.microsoft.com/office/powerpoint/2010/main" val="3301403578"/>
+        <p14:creationId xmlns:p14="http://schemas.microsoft.com/office/powerpoint/2010/main" val="419323324"/>
       </p:ext>
     </p:extLst>
   </p:cSld>
@@ -6241,6 +5833,14 @@
 <file path=ppt/slides/slide15.xml><?xml version="1.0" encoding="utf-8"?>
 <p:sld xmlns:a="http://schemas.openxmlformats.org/drawingml/2006/main" xmlns:r="http://schemas.openxmlformats.org/officeDocument/2006/relationships" xmlns:p="http://schemas.openxmlformats.org/presentationml/2006/main">
   <p:cSld>
+    <p:bg>
+      <p:bgPr>
+        <a:solidFill>
+          <a:srgbClr val="F6F9FB"/>
+        </a:solidFill>
+        <a:effectLst/>
+      </p:bgPr>
+    </p:bg>
     <p:spTree>
       <p:nvGrpSpPr>
         <p:cNvPr id="1" name=""/>
@@ -6691,7 +6291,7 @@
           <p:nvPr/>
         </p:nvPicPr>
         <p:blipFill>
-          <a:blip r:embed="rId2"/>
+          <a:blip r:embed="rId3"/>
           <a:stretch>
             <a:fillRect/>
           </a:stretch>
@@ -6803,7 +6403,7 @@
           <a:p>
             <a:r>
               <a:rPr lang="en-US" dirty="0"/>
-              <a:t>Origin</a:t>
+              <a:t>Excessively Simplified Origin</a:t>
             </a:r>
           </a:p>
           <a:p>
@@ -6823,27 +6423,27 @@
             <a:pPr lvl="1"/>
             <a:r>
               <a:rPr lang="en-US" dirty="0"/>
-              <a:t>Sharing Values</a:t>
+              <a:t>Runners</a:t>
             </a:r>
           </a:p>
           <a:p>
             <a:pPr lvl="1"/>
             <a:r>
               <a:rPr lang="en-US" dirty="0"/>
-              <a:t>Security</a:t>
+              <a:t>Secrets</a:t>
             </a:r>
           </a:p>
           <a:p>
             <a:pPr lvl="1"/>
             <a:r>
               <a:rPr lang="en-US" dirty="0"/>
-              <a:t>Runners</a:t>
+              <a:t>Job Communication</a:t>
             </a:r>
           </a:p>
           <a:p>
             <a:r>
               <a:rPr lang="en-US" dirty="0"/>
-              <a:t>Demo</a:t>
+              <a:t>Examples</a:t>
             </a:r>
           </a:p>
         </p:txBody>
@@ -6943,6 +6543,15 @@
             </a:r>
           </a:p>
           <a:p>
+            <a:pPr marL="0" indent="0">
+              <a:buNone/>
+            </a:pPr>
+            <a:r>
+              <a:rPr lang="en-US" dirty="0"/>
+              <a:t>			</a:t>
+            </a:r>
+          </a:p>
+          <a:p>
             <a:r>
               <a:rPr lang="en-US" dirty="0"/>
               <a:t>Improved and Simplified YAML Workflow</a:t>
@@ -6993,6 +6602,110 @@
       </p:grpSpPr>
       <p:sp>
         <p:nvSpPr>
+          <p:cNvPr id="2" name="Title 1">
+            <a:extLst>
+              <a:ext uri="{FF2B5EF4-FFF2-40B4-BE49-F238E27FC236}">
+                <a16:creationId xmlns:a16="http://schemas.microsoft.com/office/drawing/2014/main" id="{82E15F1B-9508-1140-AD6E-8CA6C1A7AC6F}"/>
+              </a:ext>
+            </a:extLst>
+          </p:cNvPr>
+          <p:cNvSpPr>
+            <a:spLocks noGrp="1"/>
+          </p:cNvSpPr>
+          <p:nvPr>
+            <p:ph type="ctrTitle"/>
+          </p:nvPr>
+        </p:nvSpPr>
+        <p:spPr/>
+        <p:txBody>
+          <a:bodyPr/>
+          <a:lstStyle/>
+          <a:p>
+            <a:r>
+              <a:rPr lang="en-US" dirty="0">
+                <a:latin typeface="Arial Rounded MT Bold" panose="020F0704030504030204" pitchFamily="34" charset="77"/>
+              </a:rPr>
+              <a:t>YAML Structure</a:t>
+            </a:r>
+          </a:p>
+        </p:txBody>
+      </p:sp>
+      <p:sp>
+        <p:nvSpPr>
+          <p:cNvPr id="3" name="Subtitle 2">
+            <a:extLst>
+              <a:ext uri="{FF2B5EF4-FFF2-40B4-BE49-F238E27FC236}">
+                <a16:creationId xmlns:a16="http://schemas.microsoft.com/office/drawing/2014/main" id="{5C10C258-BD6A-6F49-AC53-6F27ADF8DE16}"/>
+              </a:ext>
+            </a:extLst>
+          </p:cNvPr>
+          <p:cNvSpPr>
+            <a:spLocks noGrp="1"/>
+          </p:cNvSpPr>
+          <p:nvPr>
+            <p:ph type="subTitle" idx="1"/>
+          </p:nvPr>
+        </p:nvSpPr>
+        <p:spPr/>
+        <p:txBody>
+          <a:bodyPr>
+            <a:normAutofit/>
+          </a:bodyPr>
+          <a:lstStyle/>
+          <a:p>
+            <a:r>
+              <a:rPr lang="en-US" sz="1800" i="1" dirty="0"/>
+              <a:t>“Basically, the most important part…”</a:t>
+            </a:r>
+          </a:p>
+          <a:p>
+            <a:r>
+              <a:rPr lang="en-US" sz="1800" i="1" dirty="0"/>
+              <a:t>			 - someone… probably</a:t>
+            </a:r>
+          </a:p>
+        </p:txBody>
+      </p:sp>
+    </p:spTree>
+    <p:extLst>
+      <p:ext uri="{BB962C8B-B14F-4D97-AF65-F5344CB8AC3E}">
+        <p14:creationId xmlns:p14="http://schemas.microsoft.com/office/powerpoint/2010/main" val="3133271916"/>
+      </p:ext>
+    </p:extLst>
+  </p:cSld>
+  <p:clrMapOvr>
+    <a:masterClrMapping/>
+  </p:clrMapOvr>
+</p:sld>
+</file>
+
+<file path=ppt/slides/slide6.xml><?xml version="1.0" encoding="utf-8"?>
+<p:sld xmlns:a="http://schemas.openxmlformats.org/drawingml/2006/main" xmlns:r="http://schemas.openxmlformats.org/officeDocument/2006/relationships" xmlns:p="http://schemas.openxmlformats.org/presentationml/2006/main">
+  <p:cSld>
+    <p:bg>
+      <p:bgPr>
+        <a:solidFill>
+          <a:srgbClr val="F6F9FB"/>
+        </a:solidFill>
+        <a:effectLst/>
+      </p:bgPr>
+    </p:bg>
+    <p:spTree>
+      <p:nvGrpSpPr>
+        <p:cNvPr id="1" name=""/>
+        <p:cNvGrpSpPr/>
+        <p:nvPr/>
+      </p:nvGrpSpPr>
+      <p:grpSpPr>
+        <a:xfrm>
+          <a:off x="0" y="0"/>
+          <a:ext cx="0" cy="0"/>
+          <a:chOff x="0" y="0"/>
+          <a:chExt cx="0" cy="0"/>
+        </a:xfrm>
+      </p:grpSpPr>
+      <p:sp>
+        <p:nvSpPr>
           <p:cNvPr id="4" name="Rectangle 3">
             <a:extLst>
               <a:ext uri="{FF2B5EF4-FFF2-40B4-BE49-F238E27FC236}">
@@ -7403,10 +7116,19 @@
           <a:p>
             <a:r>
               <a:rPr lang="en-US" sz="1200" b="1" dirty="0">
+                <a:solidFill>
+                  <a:srgbClr val="7030A0"/>
+                </a:solidFill>
+                <a:latin typeface="Consolas" panose="020B0609020204030204" pitchFamily="49" charset="0"/>
+              </a:rPr>
+              <a:t>        run: </a:t>
+            </a:r>
+            <a:r>
+              <a:rPr lang="en-US" sz="1200" b="1" dirty="0">
                 <a:latin typeface="Consolas" panose="020B0609020204030204" pitchFamily="49" charset="0"/>
                 <a:cs typeface="Consolas" panose="020B0609020204030204" pitchFamily="49" charset="0"/>
               </a:rPr>
-              <a:t>        run: |</a:t>
+              <a:t>|</a:t>
             </a:r>
           </a:p>
           <a:p>
@@ -8206,7 +7928,7 @@
         </p:nvSpPr>
         <p:spPr>
           <a:xfrm>
-            <a:off x="576761" y="3090188"/>
+            <a:off x="569546" y="3058651"/>
             <a:ext cx="3964452" cy="3328092"/>
           </a:xfrm>
           <a:prstGeom prst="rect">
@@ -8956,7 +8678,7 @@
 </p:sld>
 </file>
 
-<file path=ppt/slides/slide6.xml><?xml version="1.0" encoding="utf-8"?>
+<file path=ppt/slides/slide7.xml><?xml version="1.0" encoding="utf-8"?>
 <p:sld xmlns:a="http://schemas.openxmlformats.org/drawingml/2006/main" xmlns:r="http://schemas.openxmlformats.org/officeDocument/2006/relationships" xmlns:p="http://schemas.openxmlformats.org/presentationml/2006/main">
   <p:cSld>
     <p:bg>
@@ -9347,400 +9069,6 @@
     <p:extLst>
       <p:ext uri="{BB962C8B-B14F-4D97-AF65-F5344CB8AC3E}">
         <p14:creationId xmlns:p14="http://schemas.microsoft.com/office/powerpoint/2010/main" val="1411566265"/>
-      </p:ext>
-    </p:extLst>
-  </p:cSld>
-  <p:clrMapOvr>
-    <a:masterClrMapping/>
-  </p:clrMapOvr>
-</p:sld>
-</file>
-
-<file path=ppt/slides/slide7.xml><?xml version="1.0" encoding="utf-8"?>
-<p:sld xmlns:a="http://schemas.openxmlformats.org/drawingml/2006/main" xmlns:r="http://schemas.openxmlformats.org/officeDocument/2006/relationships" xmlns:p="http://schemas.openxmlformats.org/presentationml/2006/main">
-  <p:cSld>
-    <p:bg>
-      <p:bgPr>
-        <a:solidFill>
-          <a:srgbClr val="F6F9FB"/>
-        </a:solidFill>
-        <a:effectLst/>
-      </p:bgPr>
-    </p:bg>
-    <p:spTree>
-      <p:nvGrpSpPr>
-        <p:cNvPr id="1" name=""/>
-        <p:cNvGrpSpPr/>
-        <p:nvPr/>
-      </p:nvGrpSpPr>
-      <p:grpSpPr>
-        <a:xfrm>
-          <a:off x="0" y="0"/>
-          <a:ext cx="0" cy="0"/>
-          <a:chOff x="0" y="0"/>
-          <a:chExt cx="0" cy="0"/>
-        </a:xfrm>
-      </p:grpSpPr>
-      <p:sp>
-        <p:nvSpPr>
-          <p:cNvPr id="2" name="Title 1">
-            <a:extLst>
-              <a:ext uri="{FF2B5EF4-FFF2-40B4-BE49-F238E27FC236}">
-                <a16:creationId xmlns:a16="http://schemas.microsoft.com/office/drawing/2014/main" id="{088D88CB-C5FE-2E49-877D-57D4D02AB0E9}"/>
-              </a:ext>
-            </a:extLst>
-          </p:cNvPr>
-          <p:cNvSpPr>
-            <a:spLocks noGrp="1"/>
-          </p:cNvSpPr>
-          <p:nvPr>
-            <p:ph type="title"/>
-          </p:nvPr>
-        </p:nvSpPr>
-        <p:spPr/>
-        <p:txBody>
-          <a:bodyPr/>
-          <a:lstStyle/>
-          <a:p>
-            <a:r>
-              <a:rPr lang="en-US" dirty="0">
-                <a:latin typeface="Arial Rounded MT Bold" panose="020F0704030504030204" pitchFamily="34" charset="77"/>
-              </a:rPr>
-              <a:t>Events</a:t>
-            </a:r>
-          </a:p>
-        </p:txBody>
-      </p:sp>
-      <p:graphicFrame>
-        <p:nvGraphicFramePr>
-          <p:cNvPr id="10" name="Table 9">
-            <a:extLst>
-              <a:ext uri="{FF2B5EF4-FFF2-40B4-BE49-F238E27FC236}">
-                <a16:creationId xmlns:a16="http://schemas.microsoft.com/office/drawing/2014/main" id="{64474B5E-91C2-8C4F-8E59-9676726BDCFA}"/>
-              </a:ext>
-            </a:extLst>
-          </p:cNvPr>
-          <p:cNvGraphicFramePr>
-            <a:graphicFrameLocks noGrp="1"/>
-          </p:cNvGraphicFramePr>
-          <p:nvPr/>
-        </p:nvGraphicFramePr>
-        <p:xfrm>
-          <a:off x="838200" y="1892055"/>
-          <a:ext cx="8065656" cy="1897380"/>
-        </p:xfrm>
-        <a:graphic>
-          <a:graphicData uri="http://schemas.openxmlformats.org/drawingml/2006/table">
-            <a:tbl>
-              <a:tblPr/>
-              <a:tblGrid>
-                <a:gridCol w="2348345">
-                  <a:extLst>
-                    <a:ext uri="{9D8B030D-6E8A-4147-A177-3AD203B41FA5}">
-                      <a16:colId xmlns:a16="http://schemas.microsoft.com/office/drawing/2014/main" val="4109752360"/>
-                    </a:ext>
-                  </a:extLst>
-                </a:gridCol>
-                <a:gridCol w="5717311">
-                  <a:extLst>
-                    <a:ext uri="{9D8B030D-6E8A-4147-A177-3AD203B41FA5}">
-                      <a16:colId xmlns:a16="http://schemas.microsoft.com/office/drawing/2014/main" val="715418719"/>
-                    </a:ext>
-                  </a:extLst>
-                </a:gridCol>
-              </a:tblGrid>
-              <a:tr h="0">
-                <a:tc>
-                  <a:txBody>
-                    <a:bodyPr/>
-                    <a:lstStyle/>
-                    <a:p>
-                      <a:pPr algn="l" fontAlgn="t"/>
-                      <a:r>
-                        <a:rPr lang="en-US" b="1" dirty="0">
-                          <a:effectLst/>
-                        </a:rPr>
-                        <a:t>Triggers</a:t>
-                      </a:r>
-                    </a:p>
-                  </a:txBody>
-                  <a:tcPr marR="76200" marT="114300" marB="114300">
-                    <a:lnL>
-                      <a:noFill/>
-                    </a:lnL>
-                    <a:lnR>
-                      <a:noFill/>
-                    </a:lnR>
-                    <a:lnT>
-                      <a:noFill/>
-                    </a:lnT>
-                    <a:lnB>
-                      <a:noFill/>
-                    </a:lnB>
-                  </a:tcPr>
-                </a:tc>
-                <a:tc>
-                  <a:txBody>
-                    <a:bodyPr/>
-                    <a:lstStyle/>
-                    <a:p>
-                      <a:pPr algn="l" fontAlgn="t"/>
-                      <a:endParaRPr lang="en-US" b="1" dirty="0">
-                        <a:effectLst/>
-                      </a:endParaRPr>
-                    </a:p>
-                  </a:txBody>
-                  <a:tcPr marL="76200" marR="76200" marT="114300" marB="114300">
-                    <a:lnL>
-                      <a:noFill/>
-                    </a:lnL>
-                    <a:lnR>
-                      <a:noFill/>
-                    </a:lnR>
-                    <a:lnT>
-                      <a:noFill/>
-                    </a:lnT>
-                    <a:lnB>
-                      <a:noFill/>
-                    </a:lnB>
-                  </a:tcPr>
-                </a:tc>
-                <a:extLst>
-                  <a:ext uri="{0D108BD9-81ED-4DB2-BD59-A6C34878D82A}">
-                    <a16:rowId xmlns:a16="http://schemas.microsoft.com/office/drawing/2014/main" val="2884367932"/>
-                  </a:ext>
-                </a:extLst>
-              </a:tr>
-              <a:tr h="0">
-                <a:tc>
-                  <a:txBody>
-                    <a:bodyPr/>
-                    <a:lstStyle/>
-                    <a:p>
-                      <a:pPr fontAlgn="t"/>
-                      <a:r>
-                        <a:rPr lang="en-US" dirty="0">
-                          <a:effectLst/>
-                        </a:rPr>
-                        <a:t>Scheduled Events</a:t>
-                      </a:r>
-                    </a:p>
-                  </a:txBody>
-                  <a:tcPr marR="76200" marT="95250" marB="95250">
-                    <a:lnL>
-                      <a:noFill/>
-                    </a:lnL>
-                    <a:lnR>
-                      <a:noFill/>
-                    </a:lnR>
-                    <a:lnT>
-                      <a:noFill/>
-                    </a:lnT>
-                    <a:lnB>
-                      <a:noFill/>
-                    </a:lnB>
-                  </a:tcPr>
-                </a:tc>
-                <a:tc>
-                  <a:txBody>
-                    <a:bodyPr/>
-                    <a:lstStyle/>
-                    <a:p>
-                      <a:pPr fontAlgn="t"/>
-                      <a:r>
-                        <a:rPr lang="en-US" dirty="0">
-                          <a:effectLst/>
-                          <a:latin typeface="Consolas" panose="020B0609020204030204" pitchFamily="49" charset="0"/>
-                          <a:cs typeface="Consolas" panose="020B0609020204030204" pitchFamily="49" charset="0"/>
-                          <a:hlinkClick r:id="rId2"/>
-                        </a:rPr>
-                        <a:t>cron syntax</a:t>
-                      </a:r>
-                      <a:r>
-                        <a:rPr lang="en-US" dirty="0">
-                          <a:effectLst/>
-                          <a:latin typeface="Consolas" panose="020B0609020204030204" pitchFamily="49" charset="0"/>
-                          <a:cs typeface="Consolas" panose="020B0609020204030204" pitchFamily="49" charset="0"/>
-                        </a:rPr>
-                        <a:t>  </a:t>
-                      </a:r>
-                    </a:p>
-                  </a:txBody>
-                  <a:tcPr marL="76200" marR="76200" marT="95250" marB="95250">
-                    <a:lnL>
-                      <a:noFill/>
-                    </a:lnL>
-                    <a:lnR>
-                      <a:noFill/>
-                    </a:lnR>
-                    <a:lnT>
-                      <a:noFill/>
-                    </a:lnT>
-                    <a:lnB>
-                      <a:noFill/>
-                    </a:lnB>
-                  </a:tcPr>
-                </a:tc>
-                <a:extLst>
-                  <a:ext uri="{0D108BD9-81ED-4DB2-BD59-A6C34878D82A}">
-                    <a16:rowId xmlns:a16="http://schemas.microsoft.com/office/drawing/2014/main" val="1647779730"/>
-                  </a:ext>
-                </a:extLst>
-              </a:tr>
-              <a:tr h="0">
-                <a:tc>
-                  <a:txBody>
-                    <a:bodyPr/>
-                    <a:lstStyle/>
-                    <a:p>
-                      <a:pPr fontAlgn="t"/>
-                      <a:r>
-                        <a:rPr lang="en-US" dirty="0">
-                          <a:effectLst/>
-                        </a:rPr>
-                        <a:t>Manual Events</a:t>
-                      </a:r>
-                    </a:p>
-                  </a:txBody>
-                  <a:tcPr marR="76200" marT="95250" marB="95250">
-                    <a:lnL>
-                      <a:noFill/>
-                    </a:lnL>
-                    <a:lnR>
-                      <a:noFill/>
-                    </a:lnR>
-                    <a:lnT>
-                      <a:noFill/>
-                    </a:lnT>
-                    <a:lnB>
-                      <a:noFill/>
-                    </a:lnB>
-                  </a:tcPr>
-                </a:tc>
-                <a:tc>
-                  <a:txBody>
-                    <a:bodyPr/>
-                    <a:lstStyle/>
-                    <a:p>
-                      <a:pPr fontAlgn="t"/>
-                      <a:r>
-                        <a:rPr lang="en-US" dirty="0">
-                          <a:effectLst/>
-                          <a:latin typeface="Consolas" panose="020B0609020204030204" pitchFamily="49" charset="0"/>
-                          <a:cs typeface="Consolas" panose="020B0609020204030204" pitchFamily="49" charset="0"/>
-                          <a:hlinkClick r:id="rId3"/>
-                        </a:rPr>
-                        <a:t>REST or GitHub Portal</a:t>
-                      </a:r>
-                      <a:endParaRPr lang="en-US" dirty="0">
-                        <a:effectLst/>
-                        <a:latin typeface="Consolas" panose="020B0609020204030204" pitchFamily="49" charset="0"/>
-                        <a:cs typeface="Consolas" panose="020B0609020204030204" pitchFamily="49" charset="0"/>
-                      </a:endParaRPr>
-                    </a:p>
-                  </a:txBody>
-                  <a:tcPr marL="76200" marR="76200" marT="95250" marB="95250">
-                    <a:lnL>
-                      <a:noFill/>
-                    </a:lnL>
-                    <a:lnR>
-                      <a:noFill/>
-                    </a:lnR>
-                    <a:lnT>
-                      <a:noFill/>
-                    </a:lnT>
-                    <a:lnB>
-                      <a:noFill/>
-                    </a:lnB>
-                  </a:tcPr>
-                </a:tc>
-                <a:extLst>
-                  <a:ext uri="{0D108BD9-81ED-4DB2-BD59-A6C34878D82A}">
-                    <a16:rowId xmlns:a16="http://schemas.microsoft.com/office/drawing/2014/main" val="1445531048"/>
-                  </a:ext>
-                </a:extLst>
-              </a:tr>
-              <a:tr h="0">
-                <a:tc>
-                  <a:txBody>
-                    <a:bodyPr/>
-                    <a:lstStyle/>
-                    <a:p>
-                      <a:pPr fontAlgn="t"/>
-                      <a:r>
-                        <a:rPr lang="en-US" dirty="0">
-                          <a:effectLst/>
-                        </a:rPr>
-                        <a:t>Webhook Events</a:t>
-                      </a:r>
-                    </a:p>
-                  </a:txBody>
-                  <a:tcPr marR="76200" marT="95250" marB="95250">
-                    <a:lnL>
-                      <a:noFill/>
-                    </a:lnL>
-                    <a:lnR>
-                      <a:noFill/>
-                    </a:lnR>
-                    <a:lnT>
-                      <a:noFill/>
-                    </a:lnT>
-                    <a:lnB>
-                      <a:noFill/>
-                    </a:lnB>
-                  </a:tcPr>
-                </a:tc>
-                <a:tc>
-                  <a:txBody>
-                    <a:bodyPr/>
-                    <a:lstStyle/>
-                    <a:p>
-                      <a:pPr fontAlgn="t"/>
-                      <a:r>
-                        <a:rPr lang="en-US" dirty="0">
-                          <a:effectLst/>
-                          <a:latin typeface="Consolas" panose="020B0609020204030204" pitchFamily="49" charset="0"/>
-                          <a:cs typeface="Consolas" panose="020B0609020204030204" pitchFamily="49" charset="0"/>
-                          <a:hlinkClick r:id="rId4"/>
-                        </a:rPr>
-                        <a:t>Any Git Event</a:t>
-                      </a:r>
-                      <a:endParaRPr lang="en-US" dirty="0">
-                        <a:effectLst/>
-                        <a:latin typeface="Consolas" panose="020B0609020204030204" pitchFamily="49" charset="0"/>
-                        <a:cs typeface="Consolas" panose="020B0609020204030204" pitchFamily="49" charset="0"/>
-                      </a:endParaRPr>
-                    </a:p>
-                  </a:txBody>
-                  <a:tcPr marL="76200" marR="76200" marT="95250" marB="95250">
-                    <a:lnL>
-                      <a:noFill/>
-                    </a:lnL>
-                    <a:lnR>
-                      <a:noFill/>
-                    </a:lnR>
-                    <a:lnT>
-                      <a:noFill/>
-                    </a:lnT>
-                    <a:lnB>
-                      <a:noFill/>
-                    </a:lnB>
-                  </a:tcPr>
-                </a:tc>
-                <a:extLst>
-                  <a:ext uri="{0D108BD9-81ED-4DB2-BD59-A6C34878D82A}">
-                    <a16:rowId xmlns:a16="http://schemas.microsoft.com/office/drawing/2014/main" val="2288364426"/>
-                  </a:ext>
-                </a:extLst>
-              </a:tr>
-            </a:tbl>
-          </a:graphicData>
-        </a:graphic>
-      </p:graphicFrame>
-    </p:spTree>
-    <p:extLst>
-      <p:ext uri="{BB962C8B-B14F-4D97-AF65-F5344CB8AC3E}">
-        <p14:creationId xmlns:p14="http://schemas.microsoft.com/office/powerpoint/2010/main" val="856354740"/>
       </p:ext>
     </p:extLst>
   </p:cSld>
@@ -10405,6 +9733,14 @@
 <file path=ppt/slides/slide9.xml><?xml version="1.0" encoding="utf-8"?>
 <p:sld xmlns:a="http://schemas.openxmlformats.org/drawingml/2006/main" xmlns:r="http://schemas.openxmlformats.org/officeDocument/2006/relationships" xmlns:p="http://schemas.openxmlformats.org/presentationml/2006/main">
   <p:cSld>
+    <p:bg>
+      <p:bgPr>
+        <a:solidFill>
+          <a:srgbClr val="F6F9FB"/>
+        </a:solidFill>
+        <a:effectLst/>
+      </p:bgPr>
+    </p:bg>
     <p:spTree>
       <p:nvGrpSpPr>
         <p:cNvPr id="1" name=""/>
